--- a/企画書/企画書３.pptx
+++ b/企画書/企画書３.pptx
@@ -6,9 +6,13 @@
   </p:sldMasterIdLst>
   <p:sldIdLst>
     <p:sldId id="256" r:id="rId2"/>
-    <p:sldId id="257" r:id="rId3"/>
-    <p:sldId id="258" r:id="rId4"/>
-    <p:sldId id="259" r:id="rId5"/>
+    <p:sldId id="263" r:id="rId3"/>
+    <p:sldId id="257" r:id="rId4"/>
+    <p:sldId id="258" r:id="rId5"/>
+    <p:sldId id="259" r:id="rId6"/>
+    <p:sldId id="260" r:id="rId7"/>
+    <p:sldId id="261" r:id="rId8"/>
+    <p:sldId id="262" r:id="rId9"/>
   </p:sldIdLst>
   <p:sldSz cx="12192000" cy="6858000"/>
   <p:notesSz cx="6858000" cy="9144000"/>
@@ -107,6 +111,11 @@
       </a:defRPr>
     </a:lvl9pPr>
   </p:defaultTextStyle>
+  <p:extLst>
+    <p:ext uri="{EFAFB233-063F-42B5-8137-9DF3F51BA10A}">
+      <p15:sldGuideLst xmlns:p15="http://schemas.microsoft.com/office/powerpoint/2012/main"/>
+    </p:ext>
+  </p:extLst>
 </p:presentation>
 </file>
 
@@ -241,7 +250,7 @@
           <a:p>
             <a:fld id="{70EFC1E5-8896-424F-9D46-DCBC5AABCED5}" type="datetimeFigureOut">
               <a:rPr kumimoji="1" lang="ja-JP" altLang="en-US" smtClean="0"/>
-              <a:t>2022/12/6</a:t>
+              <a:t>2022/12/9</a:t>
             </a:fld>
             <a:endParaRPr kumimoji="1" lang="ja-JP" altLang="en-US"/>
           </a:p>
@@ -443,7 +452,7 @@
           <a:p>
             <a:fld id="{70EFC1E5-8896-424F-9D46-DCBC5AABCED5}" type="datetimeFigureOut">
               <a:rPr kumimoji="1" lang="ja-JP" altLang="en-US" smtClean="0"/>
-              <a:t>2022/12/6</a:t>
+              <a:t>2022/12/9</a:t>
             </a:fld>
             <a:endParaRPr kumimoji="1" lang="ja-JP" altLang="en-US"/>
           </a:p>
@@ -655,7 +664,7 @@
           <a:p>
             <a:fld id="{70EFC1E5-8896-424F-9D46-DCBC5AABCED5}" type="datetimeFigureOut">
               <a:rPr kumimoji="1" lang="ja-JP" altLang="en-US" smtClean="0"/>
-              <a:t>2022/12/6</a:t>
+              <a:t>2022/12/9</a:t>
             </a:fld>
             <a:endParaRPr kumimoji="1" lang="ja-JP" altLang="en-US"/>
           </a:p>
@@ -857,7 +866,7 @@
           <a:p>
             <a:fld id="{70EFC1E5-8896-424F-9D46-DCBC5AABCED5}" type="datetimeFigureOut">
               <a:rPr kumimoji="1" lang="ja-JP" altLang="en-US" smtClean="0"/>
-              <a:t>2022/12/6</a:t>
+              <a:t>2022/12/9</a:t>
             </a:fld>
             <a:endParaRPr kumimoji="1" lang="ja-JP" altLang="en-US"/>
           </a:p>
@@ -1103,7 +1112,7 @@
           <a:p>
             <a:fld id="{70EFC1E5-8896-424F-9D46-DCBC5AABCED5}" type="datetimeFigureOut">
               <a:rPr kumimoji="1" lang="ja-JP" altLang="en-US" smtClean="0"/>
-              <a:t>2022/12/6</a:t>
+              <a:t>2022/12/9</a:t>
             </a:fld>
             <a:endParaRPr kumimoji="1" lang="ja-JP" altLang="en-US"/>
           </a:p>
@@ -1399,7 +1408,7 @@
           <a:p>
             <a:fld id="{70EFC1E5-8896-424F-9D46-DCBC5AABCED5}" type="datetimeFigureOut">
               <a:rPr kumimoji="1" lang="ja-JP" altLang="en-US" smtClean="0"/>
-              <a:t>2022/12/6</a:t>
+              <a:t>2022/12/9</a:t>
             </a:fld>
             <a:endParaRPr kumimoji="1" lang="ja-JP" altLang="en-US"/>
           </a:p>
@@ -1830,7 +1839,7 @@
           <a:p>
             <a:fld id="{70EFC1E5-8896-424F-9D46-DCBC5AABCED5}" type="datetimeFigureOut">
               <a:rPr kumimoji="1" lang="ja-JP" altLang="en-US" smtClean="0"/>
-              <a:t>2022/12/6</a:t>
+              <a:t>2022/12/9</a:t>
             </a:fld>
             <a:endParaRPr kumimoji="1" lang="ja-JP" altLang="en-US"/>
           </a:p>
@@ -1948,7 +1957,7 @@
           <a:p>
             <a:fld id="{70EFC1E5-8896-424F-9D46-DCBC5AABCED5}" type="datetimeFigureOut">
               <a:rPr kumimoji="1" lang="ja-JP" altLang="en-US" smtClean="0"/>
-              <a:t>2022/12/6</a:t>
+              <a:t>2022/12/9</a:t>
             </a:fld>
             <a:endParaRPr kumimoji="1" lang="ja-JP" altLang="en-US"/>
           </a:p>
@@ -2043,7 +2052,7 @@
           <a:p>
             <a:fld id="{70EFC1E5-8896-424F-9D46-DCBC5AABCED5}" type="datetimeFigureOut">
               <a:rPr kumimoji="1" lang="ja-JP" altLang="en-US" smtClean="0"/>
-              <a:t>2022/12/6</a:t>
+              <a:t>2022/12/9</a:t>
             </a:fld>
             <a:endParaRPr kumimoji="1" lang="ja-JP" altLang="en-US"/>
           </a:p>
@@ -2352,7 +2361,7 @@
           <a:p>
             <a:fld id="{70EFC1E5-8896-424F-9D46-DCBC5AABCED5}" type="datetimeFigureOut">
               <a:rPr kumimoji="1" lang="ja-JP" altLang="en-US" smtClean="0"/>
-              <a:t>2022/12/6</a:t>
+              <a:t>2022/12/9</a:t>
             </a:fld>
             <a:endParaRPr kumimoji="1" lang="ja-JP" altLang="en-US"/>
           </a:p>
@@ -2605,7 +2614,7 @@
           <a:p>
             <a:fld id="{70EFC1E5-8896-424F-9D46-DCBC5AABCED5}" type="datetimeFigureOut">
               <a:rPr kumimoji="1" lang="ja-JP" altLang="en-US" smtClean="0"/>
-              <a:t>2022/12/6</a:t>
+              <a:t>2022/12/9</a:t>
             </a:fld>
             <a:endParaRPr kumimoji="1" lang="ja-JP" altLang="en-US"/>
           </a:p>
@@ -2850,7 +2859,7 @@
           <a:p>
             <a:fld id="{70EFC1E5-8896-424F-9D46-DCBC5AABCED5}" type="datetimeFigureOut">
               <a:rPr kumimoji="1" lang="ja-JP" altLang="en-US" smtClean="0"/>
-              <a:t>2022/12/6</a:t>
+              <a:t>2022/12/9</a:t>
             </a:fld>
             <a:endParaRPr kumimoji="1" lang="ja-JP" altLang="en-US"/>
           </a:p>
@@ -3343,31 +3352,42 @@
             <p:ph type="title"/>
           </p:nvPr>
         </p:nvSpPr>
-        <p:spPr>
-          <a:xfrm>
-            <a:off x="759069" y="2642333"/>
-            <a:ext cx="10515600" cy="1325563"/>
-          </a:xfrm>
-        </p:spPr>
-        <p:txBody>
-          <a:bodyPr>
-            <a:normAutofit/>
-          </a:bodyPr>
-          <a:lstStyle/>
-          <a:p>
-            <a:pPr algn="ctr"/>
-            <a:r>
-              <a:rPr kumimoji="1" lang="ja-JP" altLang="en-US" sz="7200" b="1" dirty="0" smtClean="0"/>
-              <a:t>ステージ</a:t>
-            </a:r>
-            <a:endParaRPr kumimoji="1" lang="ja-JP" altLang="en-US" sz="7200" b="1" dirty="0"/>
+        <p:spPr/>
+        <p:txBody>
+          <a:bodyPr/>
+          <a:lstStyle/>
+          <a:p>
+            <a:r>
+              <a:rPr kumimoji="1" lang="ja-JP" altLang="en-US" dirty="0" smtClean="0"/>
+              <a:t>要素</a:t>
+            </a:r>
+            <a:endParaRPr kumimoji="1" lang="ja-JP" altLang="en-US" dirty="0"/>
+          </a:p>
+        </p:txBody>
+      </p:sp>
+      <p:sp>
+        <p:nvSpPr>
+          <p:cNvPr id="3" name="コンテンツ プレースホルダー 2"/>
+          <p:cNvSpPr>
+            <a:spLocks noGrp="1"/>
+          </p:cNvSpPr>
+          <p:nvPr>
+            <p:ph idx="1"/>
+          </p:nvPr>
+        </p:nvSpPr>
+        <p:spPr/>
+        <p:txBody>
+          <a:bodyPr/>
+          <a:lstStyle/>
+          <a:p>
+            <a:endParaRPr kumimoji="1" lang="ja-JP" altLang="en-US" dirty="0"/>
           </a:p>
         </p:txBody>
       </p:sp>
     </p:spTree>
     <p:extLst>
       <p:ext uri="{BB962C8B-B14F-4D97-AF65-F5344CB8AC3E}">
-        <p14:creationId xmlns:p14="http://schemas.microsoft.com/office/powerpoint/2010/main" val="1310364238"/>
+        <p14:creationId xmlns:p14="http://schemas.microsoft.com/office/powerpoint/2010/main" val="3798239899"/>
       </p:ext>
     </p:extLst>
   </p:cSld>
@@ -3396,880 +3416,39 @@
       </p:grpSpPr>
       <p:sp>
         <p:nvSpPr>
-          <p:cNvPr id="4" name="正方形/長方形 3"/>
-          <p:cNvSpPr/>
-          <p:nvPr/>
-        </p:nvSpPr>
-        <p:spPr>
-          <a:xfrm>
-            <a:off x="0" y="4141176"/>
-            <a:ext cx="12192000" cy="2716824"/>
-          </a:xfrm>
-          <a:prstGeom prst="rect">
-            <a:avLst/>
-          </a:prstGeom>
-        </p:spPr>
-        <p:style>
-          <a:lnRef idx="2">
-            <a:schemeClr val="accent3">
-              <a:shade val="50000"/>
-            </a:schemeClr>
-          </a:lnRef>
-          <a:fillRef idx="1">
-            <a:schemeClr val="accent3"/>
-          </a:fillRef>
-          <a:effectRef idx="0">
-            <a:schemeClr val="accent3"/>
-          </a:effectRef>
-          <a:fontRef idx="minor">
-            <a:schemeClr val="lt1"/>
-          </a:fontRef>
-        </p:style>
-        <p:txBody>
-          <a:bodyPr rtlCol="0" anchor="ctr"/>
+          <p:cNvPr id="2" name="タイトル 1"/>
+          <p:cNvSpPr>
+            <a:spLocks noGrp="1"/>
+          </p:cNvSpPr>
+          <p:nvPr>
+            <p:ph type="title"/>
+          </p:nvPr>
+        </p:nvSpPr>
+        <p:spPr>
+          <a:xfrm>
+            <a:off x="759069" y="2642333"/>
+            <a:ext cx="10515600" cy="1325563"/>
+          </a:xfrm>
+        </p:spPr>
+        <p:txBody>
+          <a:bodyPr>
+            <a:normAutofit/>
+          </a:bodyPr>
           <a:lstStyle/>
           <a:p>
             <a:pPr algn="ctr"/>
-            <a:endParaRPr kumimoji="1" lang="ja-JP" altLang="en-US"/>
-          </a:p>
-        </p:txBody>
-      </p:sp>
-      <p:sp>
-        <p:nvSpPr>
-          <p:cNvPr id="7" name="正方形/長方形 6"/>
-          <p:cNvSpPr/>
-          <p:nvPr/>
-        </p:nvSpPr>
-        <p:spPr>
-          <a:xfrm>
-            <a:off x="0" y="4343400"/>
-            <a:ext cx="12192000" cy="307731"/>
-          </a:xfrm>
-          <a:prstGeom prst="rect">
-            <a:avLst/>
-          </a:prstGeom>
-        </p:spPr>
-        <p:style>
-          <a:lnRef idx="2">
-            <a:schemeClr val="accent3"/>
-          </a:lnRef>
-          <a:fillRef idx="1">
-            <a:schemeClr val="lt1"/>
-          </a:fillRef>
-          <a:effectRef idx="0">
-            <a:schemeClr val="accent3"/>
-          </a:effectRef>
-          <a:fontRef idx="minor">
-            <a:schemeClr val="dk1"/>
-          </a:fontRef>
-        </p:style>
-        <p:txBody>
-          <a:bodyPr rtlCol="0" anchor="ctr"/>
-          <a:lstStyle/>
-          <a:p>
-            <a:pPr algn="ctr"/>
-            <a:endParaRPr kumimoji="1" lang="ja-JP" altLang="en-US"/>
-          </a:p>
-        </p:txBody>
-      </p:sp>
-      <p:sp>
-        <p:nvSpPr>
-          <p:cNvPr id="8" name="正方形/長方形 7"/>
-          <p:cNvSpPr/>
-          <p:nvPr/>
-        </p:nvSpPr>
-        <p:spPr>
-          <a:xfrm>
-            <a:off x="0" y="6409592"/>
-            <a:ext cx="12192000" cy="298938"/>
-          </a:xfrm>
-          <a:prstGeom prst="rect">
-            <a:avLst/>
-          </a:prstGeom>
-        </p:spPr>
-        <p:style>
-          <a:lnRef idx="2">
-            <a:schemeClr val="dk1"/>
-          </a:lnRef>
-          <a:fillRef idx="1">
-            <a:schemeClr val="lt1"/>
-          </a:fillRef>
-          <a:effectRef idx="0">
-            <a:schemeClr val="dk1"/>
-          </a:effectRef>
-          <a:fontRef idx="minor">
-            <a:schemeClr val="dk1"/>
-          </a:fontRef>
-        </p:style>
-        <p:txBody>
-          <a:bodyPr rtlCol="0" anchor="ctr"/>
-          <a:lstStyle/>
-          <a:p>
-            <a:pPr algn="ctr"/>
-            <a:endParaRPr kumimoji="1" lang="ja-JP" altLang="en-US"/>
-          </a:p>
-        </p:txBody>
-      </p:sp>
-      <p:sp>
-        <p:nvSpPr>
-          <p:cNvPr id="9" name="正方形/長方形 8"/>
-          <p:cNvSpPr/>
-          <p:nvPr/>
-        </p:nvSpPr>
-        <p:spPr>
-          <a:xfrm>
-            <a:off x="914400" y="4141176"/>
-            <a:ext cx="395654" cy="2716824"/>
-          </a:xfrm>
-          <a:prstGeom prst="rect">
-            <a:avLst/>
-          </a:prstGeom>
-          <a:solidFill>
-            <a:srgbClr val="FFC000"/>
-          </a:solidFill>
-        </p:spPr>
-        <p:style>
-          <a:lnRef idx="2">
-            <a:schemeClr val="dk1"/>
-          </a:lnRef>
-          <a:fillRef idx="1">
-            <a:schemeClr val="lt1"/>
-          </a:fillRef>
-          <a:effectRef idx="0">
-            <a:schemeClr val="dk1"/>
-          </a:effectRef>
-          <a:fontRef idx="minor">
-            <a:schemeClr val="dk1"/>
-          </a:fontRef>
-        </p:style>
-        <p:txBody>
-          <a:bodyPr rtlCol="0" anchor="ctr"/>
-          <a:lstStyle/>
-          <a:p>
-            <a:pPr algn="ctr"/>
-            <a:r>
-              <a:rPr lang="ja-JP" altLang="en-US" dirty="0"/>
-              <a:t>スタート</a:t>
-            </a:r>
-            <a:endParaRPr kumimoji="1" lang="ja-JP" altLang="en-US" dirty="0"/>
-          </a:p>
-        </p:txBody>
-      </p:sp>
-      <p:sp>
-        <p:nvSpPr>
-          <p:cNvPr id="13" name="正方形/長方形 12"/>
-          <p:cNvSpPr/>
-          <p:nvPr/>
-        </p:nvSpPr>
-        <p:spPr>
-          <a:xfrm>
-            <a:off x="2088172" y="3615502"/>
-            <a:ext cx="228601" cy="525674"/>
-          </a:xfrm>
-          <a:prstGeom prst="rect">
-            <a:avLst/>
-          </a:prstGeom>
-          <a:solidFill>
-            <a:srgbClr val="A85400"/>
-          </a:solidFill>
-          <a:ln>
-            <a:solidFill>
-              <a:srgbClr val="804F40"/>
-            </a:solidFill>
-          </a:ln>
-        </p:spPr>
-        <p:style>
-          <a:lnRef idx="2">
-            <a:schemeClr val="accent2">
-              <a:shade val="50000"/>
-            </a:schemeClr>
-          </a:lnRef>
-          <a:fillRef idx="1">
-            <a:schemeClr val="accent2"/>
-          </a:fillRef>
-          <a:effectRef idx="0">
-            <a:schemeClr val="accent2"/>
-          </a:effectRef>
-          <a:fontRef idx="minor">
-            <a:schemeClr val="lt1"/>
-          </a:fontRef>
-        </p:style>
-        <p:txBody>
-          <a:bodyPr rtlCol="0" anchor="ctr"/>
-          <a:lstStyle/>
-          <a:p>
-            <a:pPr algn="ctr"/>
-            <a:endParaRPr kumimoji="1" lang="ja-JP" altLang="en-US"/>
-          </a:p>
-        </p:txBody>
-      </p:sp>
-      <p:sp>
-        <p:nvSpPr>
-          <p:cNvPr id="14" name="正方形/長方形 13"/>
-          <p:cNvSpPr/>
-          <p:nvPr/>
-        </p:nvSpPr>
-        <p:spPr>
-          <a:xfrm>
-            <a:off x="1696915" y="3130062"/>
-            <a:ext cx="1011116" cy="485440"/>
-          </a:xfrm>
-          <a:prstGeom prst="rect">
-            <a:avLst/>
-          </a:prstGeom>
-          <a:ln w="76200">
-            <a:solidFill>
-              <a:srgbClr val="A85400"/>
-            </a:solidFill>
-          </a:ln>
-        </p:spPr>
-        <p:style>
-          <a:lnRef idx="2">
-            <a:schemeClr val="accent2"/>
-          </a:lnRef>
-          <a:fillRef idx="1">
-            <a:schemeClr val="lt1"/>
-          </a:fillRef>
-          <a:effectRef idx="0">
-            <a:schemeClr val="accent2"/>
-          </a:effectRef>
-          <a:fontRef idx="minor">
-            <a:schemeClr val="dk1"/>
-          </a:fontRef>
-        </p:style>
-        <p:txBody>
-          <a:bodyPr rtlCol="0" anchor="ctr"/>
-          <a:lstStyle/>
-          <a:p>
-            <a:pPr algn="ctr"/>
-            <a:r>
-              <a:rPr kumimoji="1" lang="en-US" altLang="ja-JP" dirty="0" smtClean="0"/>
-              <a:t>10m</a:t>
-            </a:r>
-            <a:endParaRPr kumimoji="1" lang="ja-JP" altLang="en-US" dirty="0"/>
-          </a:p>
-        </p:txBody>
-      </p:sp>
-      <p:sp>
-        <p:nvSpPr>
-          <p:cNvPr id="15" name="正方形/長方形 14"/>
-          <p:cNvSpPr/>
-          <p:nvPr/>
-        </p:nvSpPr>
-        <p:spPr>
-          <a:xfrm>
-            <a:off x="3780692" y="3615502"/>
-            <a:ext cx="228601" cy="525674"/>
-          </a:xfrm>
-          <a:prstGeom prst="rect">
-            <a:avLst/>
-          </a:prstGeom>
-          <a:solidFill>
-            <a:srgbClr val="A85400"/>
-          </a:solidFill>
-          <a:ln>
-            <a:solidFill>
-              <a:srgbClr val="804F40"/>
-            </a:solidFill>
-          </a:ln>
-        </p:spPr>
-        <p:style>
-          <a:lnRef idx="2">
-            <a:schemeClr val="accent2">
-              <a:shade val="50000"/>
-            </a:schemeClr>
-          </a:lnRef>
-          <a:fillRef idx="1">
-            <a:schemeClr val="accent2"/>
-          </a:fillRef>
-          <a:effectRef idx="0">
-            <a:schemeClr val="accent2"/>
-          </a:effectRef>
-          <a:fontRef idx="minor">
-            <a:schemeClr val="lt1"/>
-          </a:fontRef>
-        </p:style>
-        <p:txBody>
-          <a:bodyPr rtlCol="0" anchor="ctr"/>
-          <a:lstStyle/>
-          <a:p>
-            <a:pPr algn="ctr"/>
-            <a:endParaRPr kumimoji="1" lang="ja-JP" altLang="en-US"/>
-          </a:p>
-        </p:txBody>
-      </p:sp>
-      <p:sp>
-        <p:nvSpPr>
-          <p:cNvPr id="16" name="正方形/長方形 15"/>
-          <p:cNvSpPr/>
-          <p:nvPr/>
-        </p:nvSpPr>
-        <p:spPr>
-          <a:xfrm>
-            <a:off x="3389435" y="3130062"/>
-            <a:ext cx="1011116" cy="485440"/>
-          </a:xfrm>
-          <a:prstGeom prst="rect">
-            <a:avLst/>
-          </a:prstGeom>
-          <a:ln w="76200">
-            <a:solidFill>
-              <a:srgbClr val="A85400"/>
-            </a:solidFill>
-          </a:ln>
-        </p:spPr>
-        <p:style>
-          <a:lnRef idx="2">
-            <a:schemeClr val="accent2"/>
-          </a:lnRef>
-          <a:fillRef idx="1">
-            <a:schemeClr val="lt1"/>
-          </a:fillRef>
-          <a:effectRef idx="0">
-            <a:schemeClr val="accent2"/>
-          </a:effectRef>
-          <a:fontRef idx="minor">
-            <a:schemeClr val="dk1"/>
-          </a:fontRef>
-        </p:style>
-        <p:txBody>
-          <a:bodyPr rtlCol="0" anchor="ctr"/>
-          <a:lstStyle/>
-          <a:p>
-            <a:pPr algn="ctr"/>
-            <a:r>
-              <a:rPr lang="en-US" altLang="ja-JP" dirty="0"/>
-              <a:t>2</a:t>
-            </a:r>
-            <a:r>
-              <a:rPr kumimoji="1" lang="en-US" altLang="ja-JP" dirty="0" smtClean="0"/>
-              <a:t>0m</a:t>
-            </a:r>
-            <a:endParaRPr kumimoji="1" lang="ja-JP" altLang="en-US" dirty="0"/>
-          </a:p>
-        </p:txBody>
-      </p:sp>
-      <p:sp>
-        <p:nvSpPr>
-          <p:cNvPr id="17" name="正方形/長方形 16"/>
-          <p:cNvSpPr/>
-          <p:nvPr/>
-        </p:nvSpPr>
-        <p:spPr>
-          <a:xfrm>
-            <a:off x="5473211" y="3612546"/>
-            <a:ext cx="228601" cy="525674"/>
-          </a:xfrm>
-          <a:prstGeom prst="rect">
-            <a:avLst/>
-          </a:prstGeom>
-          <a:solidFill>
-            <a:srgbClr val="A85400"/>
-          </a:solidFill>
-          <a:ln>
-            <a:solidFill>
-              <a:srgbClr val="804F40"/>
-            </a:solidFill>
-          </a:ln>
-        </p:spPr>
-        <p:style>
-          <a:lnRef idx="2">
-            <a:schemeClr val="accent2">
-              <a:shade val="50000"/>
-            </a:schemeClr>
-          </a:lnRef>
-          <a:fillRef idx="1">
-            <a:schemeClr val="accent2"/>
-          </a:fillRef>
-          <a:effectRef idx="0">
-            <a:schemeClr val="accent2"/>
-          </a:effectRef>
-          <a:fontRef idx="minor">
-            <a:schemeClr val="lt1"/>
-          </a:fontRef>
-        </p:style>
-        <p:txBody>
-          <a:bodyPr rtlCol="0" anchor="ctr"/>
-          <a:lstStyle/>
-          <a:p>
-            <a:pPr algn="ctr"/>
-            <a:endParaRPr kumimoji="1" lang="ja-JP" altLang="en-US"/>
-          </a:p>
-        </p:txBody>
-      </p:sp>
-      <p:sp>
-        <p:nvSpPr>
-          <p:cNvPr id="18" name="正方形/長方形 17"/>
-          <p:cNvSpPr/>
-          <p:nvPr/>
-        </p:nvSpPr>
-        <p:spPr>
-          <a:xfrm>
-            <a:off x="5081954" y="3130062"/>
-            <a:ext cx="1011116" cy="482484"/>
-          </a:xfrm>
-          <a:prstGeom prst="rect">
-            <a:avLst/>
-          </a:prstGeom>
-          <a:ln w="76200">
-            <a:solidFill>
-              <a:srgbClr val="A85400"/>
-            </a:solidFill>
-          </a:ln>
-        </p:spPr>
-        <p:style>
-          <a:lnRef idx="2">
-            <a:schemeClr val="accent2"/>
-          </a:lnRef>
-          <a:fillRef idx="1">
-            <a:schemeClr val="lt1"/>
-          </a:fillRef>
-          <a:effectRef idx="0">
-            <a:schemeClr val="accent2"/>
-          </a:effectRef>
-          <a:fontRef idx="minor">
-            <a:schemeClr val="dk1"/>
-          </a:fontRef>
-        </p:style>
-        <p:txBody>
-          <a:bodyPr rtlCol="0" anchor="ctr"/>
-          <a:lstStyle/>
-          <a:p>
-            <a:pPr algn="ctr"/>
-            <a:r>
-              <a:rPr kumimoji="1" lang="en-US" altLang="ja-JP" dirty="0" smtClean="0"/>
-              <a:t>30m</a:t>
-            </a:r>
-            <a:endParaRPr kumimoji="1" lang="ja-JP" altLang="en-US" dirty="0"/>
-          </a:p>
-        </p:txBody>
-      </p:sp>
-      <p:sp>
-        <p:nvSpPr>
-          <p:cNvPr id="19" name="テキスト ボックス 18"/>
-          <p:cNvSpPr txBox="1"/>
-          <p:nvPr/>
-        </p:nvSpPr>
-        <p:spPr>
-          <a:xfrm>
-            <a:off x="2708031" y="1371601"/>
-            <a:ext cx="2444261" cy="369332"/>
-          </a:xfrm>
-          <a:prstGeom prst="rect">
-            <a:avLst/>
-          </a:prstGeom>
-          <a:noFill/>
-          <a:ln w="38100">
-            <a:solidFill>
-              <a:schemeClr val="tx1"/>
-            </a:solidFill>
-          </a:ln>
-        </p:spPr>
-        <p:txBody>
-          <a:bodyPr wrap="square" rtlCol="0">
-            <a:spAutoFit/>
-          </a:bodyPr>
-          <a:lstStyle/>
-          <a:p>
-            <a:pPr algn="ctr"/>
-            <a:r>
-              <a:rPr kumimoji="1" lang="ja-JP" altLang="en-US" b="1" dirty="0" smtClean="0">
-                <a:effectLst>
-                  <a:outerShdw blurRad="38100" dist="38100" dir="2700000" algn="tl">
-                    <a:srgbClr val="000000">
-                      <a:alpha val="43137"/>
-                    </a:srgbClr>
-                  </a:outerShdw>
-                </a:effectLst>
-              </a:rPr>
-              <a:t>標識みたいなもの</a:t>
-            </a:r>
-            <a:endParaRPr kumimoji="1" lang="en-US" altLang="ja-JP" b="1" dirty="0" smtClean="0">
-              <a:effectLst>
-                <a:outerShdw blurRad="38100" dist="38100" dir="2700000" algn="tl">
-                  <a:srgbClr val="000000">
-                    <a:alpha val="43137"/>
-                  </a:srgbClr>
-                </a:outerShdw>
-              </a:effectLst>
-            </a:endParaRPr>
-          </a:p>
-        </p:txBody>
-      </p:sp>
-      <p:sp>
-        <p:nvSpPr>
-          <p:cNvPr id="20" name="下矢印 19"/>
-          <p:cNvSpPr/>
-          <p:nvPr/>
-        </p:nvSpPr>
-        <p:spPr>
-          <a:xfrm>
-            <a:off x="3618034" y="1946565"/>
-            <a:ext cx="553915" cy="940777"/>
-          </a:xfrm>
-          <a:prstGeom prst="downArrow">
-            <a:avLst/>
-          </a:prstGeom>
-        </p:spPr>
-        <p:style>
-          <a:lnRef idx="2">
-            <a:schemeClr val="accent1">
-              <a:shade val="50000"/>
-            </a:schemeClr>
-          </a:lnRef>
-          <a:fillRef idx="1">
-            <a:schemeClr val="accent1"/>
-          </a:fillRef>
-          <a:effectRef idx="0">
-            <a:schemeClr val="accent1"/>
-          </a:effectRef>
-          <a:fontRef idx="minor">
-            <a:schemeClr val="lt1"/>
-          </a:fontRef>
-        </p:style>
-        <p:txBody>
-          <a:bodyPr rtlCol="0" anchor="ctr"/>
-          <a:lstStyle/>
-          <a:p>
-            <a:pPr algn="ctr"/>
-            <a:endParaRPr kumimoji="1" lang="ja-JP" altLang="en-US"/>
-          </a:p>
-        </p:txBody>
-      </p:sp>
-      <p:sp>
-        <p:nvSpPr>
-          <p:cNvPr id="21" name="下矢印 20"/>
-          <p:cNvSpPr/>
-          <p:nvPr/>
-        </p:nvSpPr>
-        <p:spPr>
-          <a:xfrm rot="2060599">
-            <a:off x="2278209" y="2015269"/>
-            <a:ext cx="553915" cy="940777"/>
-          </a:xfrm>
-          <a:prstGeom prst="downArrow">
-            <a:avLst/>
-          </a:prstGeom>
-        </p:spPr>
-        <p:style>
-          <a:lnRef idx="2">
-            <a:schemeClr val="accent1">
-              <a:shade val="50000"/>
-            </a:schemeClr>
-          </a:lnRef>
-          <a:fillRef idx="1">
-            <a:schemeClr val="accent1"/>
-          </a:fillRef>
-          <a:effectRef idx="0">
-            <a:schemeClr val="accent1"/>
-          </a:effectRef>
-          <a:fontRef idx="minor">
-            <a:schemeClr val="lt1"/>
-          </a:fontRef>
-        </p:style>
-        <p:txBody>
-          <a:bodyPr rtlCol="0" anchor="ctr"/>
-          <a:lstStyle/>
-          <a:p>
-            <a:pPr algn="ctr"/>
-            <a:endParaRPr kumimoji="1" lang="ja-JP" altLang="en-US"/>
-          </a:p>
-        </p:txBody>
-      </p:sp>
-      <p:sp>
-        <p:nvSpPr>
-          <p:cNvPr id="22" name="下矢印 21"/>
-          <p:cNvSpPr/>
-          <p:nvPr/>
-        </p:nvSpPr>
-        <p:spPr>
-          <a:xfrm rot="19483314">
-            <a:off x="4961580" y="2014599"/>
-            <a:ext cx="553915" cy="940777"/>
-          </a:xfrm>
-          <a:prstGeom prst="downArrow">
-            <a:avLst/>
-          </a:prstGeom>
-        </p:spPr>
-        <p:style>
-          <a:lnRef idx="2">
-            <a:schemeClr val="accent1">
-              <a:shade val="50000"/>
-            </a:schemeClr>
-          </a:lnRef>
-          <a:fillRef idx="1">
-            <a:schemeClr val="accent1"/>
-          </a:fillRef>
-          <a:effectRef idx="0">
-            <a:schemeClr val="accent1"/>
-          </a:effectRef>
-          <a:fontRef idx="minor">
-            <a:schemeClr val="lt1"/>
-          </a:fontRef>
-        </p:style>
-        <p:txBody>
-          <a:bodyPr rtlCol="0" anchor="ctr"/>
-          <a:lstStyle/>
-          <a:p>
-            <a:pPr algn="ctr"/>
-            <a:endParaRPr kumimoji="1" lang="ja-JP" altLang="en-US"/>
-          </a:p>
-        </p:txBody>
-      </p:sp>
-      <p:sp>
-        <p:nvSpPr>
-          <p:cNvPr id="23" name="テキスト ボックス 22"/>
-          <p:cNvSpPr txBox="1"/>
-          <p:nvPr/>
-        </p:nvSpPr>
-        <p:spPr>
-          <a:xfrm>
-            <a:off x="8352691" y="1941025"/>
-            <a:ext cx="2074985" cy="369332"/>
-          </a:xfrm>
-          <a:prstGeom prst="rect">
-            <a:avLst/>
-          </a:prstGeom>
-          <a:noFill/>
-          <a:ln w="38100">
-            <a:solidFill>
-              <a:schemeClr val="tx1"/>
-            </a:solidFill>
-          </a:ln>
-        </p:spPr>
-        <p:txBody>
-          <a:bodyPr wrap="square" rtlCol="0">
-            <a:spAutoFit/>
-          </a:bodyPr>
-          <a:lstStyle/>
-          <a:p>
-            <a:r>
-              <a:rPr kumimoji="1" lang="ja-JP" altLang="en-US" b="1" dirty="0" smtClean="0">
-                <a:effectLst>
-                  <a:outerShdw blurRad="38100" dist="38100" dir="2700000" algn="tl">
-                    <a:srgbClr val="000000">
-                      <a:alpha val="43137"/>
-                    </a:srgbClr>
-                  </a:outerShdw>
-                </a:effectLst>
-              </a:rPr>
-              <a:t>道路みたいなもの</a:t>
-            </a:r>
-            <a:endParaRPr kumimoji="1" lang="ja-JP" altLang="en-US" b="1" dirty="0">
-              <a:effectLst>
-                <a:outerShdw blurRad="38100" dist="38100" dir="2700000" algn="tl">
-                  <a:srgbClr val="000000">
-                    <a:alpha val="43137"/>
-                  </a:srgbClr>
-                </a:outerShdw>
-              </a:effectLst>
-            </a:endParaRPr>
-          </a:p>
-        </p:txBody>
-      </p:sp>
-      <p:sp>
-        <p:nvSpPr>
-          <p:cNvPr id="24" name="下矢印 23"/>
-          <p:cNvSpPr/>
-          <p:nvPr/>
-        </p:nvSpPr>
-        <p:spPr>
-          <a:xfrm rot="268050">
-            <a:off x="8674855" y="2377948"/>
-            <a:ext cx="553915" cy="1765922"/>
-          </a:xfrm>
-          <a:prstGeom prst="downArrow">
-            <a:avLst>
-              <a:gd name="adj1" fmla="val 50000"/>
-              <a:gd name="adj2" fmla="val 110134"/>
-            </a:avLst>
-          </a:prstGeom>
-        </p:spPr>
-        <p:style>
-          <a:lnRef idx="2">
-            <a:schemeClr val="accent1">
-              <a:shade val="50000"/>
-            </a:schemeClr>
-          </a:lnRef>
-          <a:fillRef idx="1">
-            <a:schemeClr val="accent1"/>
-          </a:fillRef>
-          <a:effectRef idx="0">
-            <a:schemeClr val="accent1"/>
-          </a:effectRef>
-          <a:fontRef idx="minor">
-            <a:schemeClr val="lt1"/>
-          </a:fontRef>
-        </p:style>
-        <p:txBody>
-          <a:bodyPr rtlCol="0" anchor="ctr"/>
-          <a:lstStyle/>
-          <a:p>
-            <a:pPr algn="ctr"/>
-            <a:endParaRPr kumimoji="1" lang="ja-JP" altLang="en-US"/>
-          </a:p>
-        </p:txBody>
-      </p:sp>
-      <p:sp>
-        <p:nvSpPr>
-          <p:cNvPr id="26" name="テキスト ボックス 25"/>
-          <p:cNvSpPr txBox="1"/>
-          <p:nvPr/>
-        </p:nvSpPr>
-        <p:spPr>
-          <a:xfrm>
-            <a:off x="1112227" y="419845"/>
-            <a:ext cx="1402372" cy="584775"/>
-          </a:xfrm>
-          <a:prstGeom prst="rect">
-            <a:avLst/>
-          </a:prstGeom>
-          <a:noFill/>
-          <a:ln w="28575">
-            <a:solidFill>
-              <a:srgbClr val="00B0F0"/>
-            </a:solidFill>
-          </a:ln>
-        </p:spPr>
-        <p:txBody>
-          <a:bodyPr wrap="square" rtlCol="0">
-            <a:spAutoFit/>
-          </a:bodyPr>
-          <a:lstStyle/>
-          <a:p>
-            <a:pPr algn="ctr"/>
-            <a:r>
-              <a:rPr kumimoji="1" lang="ja-JP" altLang="en-US" sz="3200" dirty="0" smtClean="0"/>
-              <a:t>空</a:t>
-            </a:r>
-            <a:endParaRPr kumimoji="1" lang="ja-JP" altLang="en-US" sz="3200" dirty="0"/>
-          </a:p>
-        </p:txBody>
-      </p:sp>
-      <p:sp>
-        <p:nvSpPr>
-          <p:cNvPr id="28" name="テキスト ボックス 27"/>
-          <p:cNvSpPr txBox="1"/>
-          <p:nvPr/>
-        </p:nvSpPr>
-        <p:spPr>
-          <a:xfrm>
-            <a:off x="61546" y="65901"/>
-            <a:ext cx="633046" cy="646331"/>
-          </a:xfrm>
-          <a:prstGeom prst="rect">
-            <a:avLst/>
-          </a:prstGeom>
-          <a:noFill/>
-        </p:spPr>
-        <p:txBody>
-          <a:bodyPr wrap="square" rtlCol="0">
-            <a:spAutoFit/>
-          </a:bodyPr>
-          <a:lstStyle/>
-          <a:p>
-            <a:r>
-              <a:rPr kumimoji="1" lang="ja-JP" altLang="en-US" sz="3600" dirty="0" smtClean="0"/>
-              <a:t>奥</a:t>
-            </a:r>
-            <a:endParaRPr kumimoji="1" lang="ja-JP" altLang="en-US" sz="3600" dirty="0"/>
-          </a:p>
-        </p:txBody>
-      </p:sp>
-      <p:sp>
-        <p:nvSpPr>
-          <p:cNvPr id="29" name="テキスト ボックス 28"/>
-          <p:cNvSpPr txBox="1"/>
-          <p:nvPr/>
-        </p:nvSpPr>
-        <p:spPr>
-          <a:xfrm>
-            <a:off x="10997193" y="3547599"/>
-            <a:ext cx="1170127" cy="646331"/>
-          </a:xfrm>
-          <a:prstGeom prst="rect">
-            <a:avLst/>
-          </a:prstGeom>
-          <a:noFill/>
-        </p:spPr>
-        <p:txBody>
-          <a:bodyPr wrap="square" rtlCol="0">
-            <a:spAutoFit/>
-          </a:bodyPr>
-          <a:lstStyle/>
-          <a:p>
-            <a:r>
-              <a:rPr kumimoji="1" lang="ja-JP" altLang="en-US" sz="3600" dirty="0" smtClean="0"/>
-              <a:t>手前</a:t>
-            </a:r>
-            <a:endParaRPr kumimoji="1" lang="ja-JP" altLang="en-US" sz="3600" dirty="0"/>
-          </a:p>
-        </p:txBody>
-      </p:sp>
-      <p:sp>
-        <p:nvSpPr>
-          <p:cNvPr id="33" name="テキスト ボックス 32"/>
-          <p:cNvSpPr txBox="1"/>
-          <p:nvPr/>
-        </p:nvSpPr>
-        <p:spPr>
-          <a:xfrm>
-            <a:off x="95106" y="1185698"/>
-            <a:ext cx="1993925" cy="1815882"/>
-          </a:xfrm>
-          <a:prstGeom prst="rect">
-            <a:avLst/>
-          </a:prstGeom>
-          <a:noFill/>
-          <a:ln>
-            <a:solidFill>
-              <a:schemeClr val="tx1"/>
-            </a:solidFill>
-          </a:ln>
-        </p:spPr>
-        <p:txBody>
-          <a:bodyPr wrap="square" rtlCol="0">
-            <a:spAutoFit/>
-          </a:bodyPr>
-          <a:lstStyle/>
-          <a:p>
-            <a:r>
-              <a:rPr kumimoji="1" lang="ja-JP" altLang="en-US" sz="2800" dirty="0" smtClean="0"/>
-              <a:t>ビル街</a:t>
-            </a:r>
-            <a:endParaRPr kumimoji="1" lang="en-US" altLang="ja-JP" sz="2800" dirty="0" smtClean="0"/>
-          </a:p>
-          <a:p>
-            <a:r>
-              <a:rPr lang="ja-JP" altLang="en-US" sz="2800" dirty="0" smtClean="0"/>
-              <a:t>（市街地）</a:t>
-            </a:r>
-            <a:endParaRPr lang="en-US" altLang="ja-JP" sz="2800" dirty="0" smtClean="0"/>
-          </a:p>
-          <a:p>
-            <a:r>
-              <a:rPr kumimoji="1" lang="ja-JP" altLang="en-US" sz="2800" dirty="0" smtClean="0"/>
-              <a:t>モデル</a:t>
-            </a:r>
-            <a:endParaRPr kumimoji="1" lang="en-US" altLang="ja-JP" sz="2800" dirty="0" smtClean="0"/>
-          </a:p>
-          <a:p>
-            <a:r>
-              <a:rPr lang="ja-JP" altLang="en-US" sz="2800" dirty="0"/>
-              <a:t>５</a:t>
-            </a:r>
-            <a:r>
-              <a:rPr lang="ja-JP" altLang="en-US" sz="2800" dirty="0" smtClean="0"/>
-              <a:t>～６</a:t>
-            </a:r>
-            <a:endParaRPr kumimoji="1" lang="ja-JP" altLang="en-US" sz="2800" dirty="0"/>
+            <a:r>
+              <a:rPr kumimoji="1" lang="ja-JP" altLang="en-US" sz="7200" b="1" dirty="0" smtClean="0"/>
+              <a:t>ステージ</a:t>
+            </a:r>
+            <a:endParaRPr kumimoji="1" lang="ja-JP" altLang="en-US" sz="7200" b="1" dirty="0"/>
           </a:p>
         </p:txBody>
       </p:sp>
     </p:spTree>
     <p:extLst>
       <p:ext uri="{BB962C8B-B14F-4D97-AF65-F5344CB8AC3E}">
-        <p14:creationId xmlns:p14="http://schemas.microsoft.com/office/powerpoint/2010/main" val="4177930087"/>
+        <p14:creationId xmlns:p14="http://schemas.microsoft.com/office/powerpoint/2010/main" val="1310364238"/>
       </p:ext>
     </p:extLst>
   </p:cSld>
@@ -4298,14 +3477,920 @@
       </p:grpSpPr>
       <p:sp>
         <p:nvSpPr>
+          <p:cNvPr id="4" name="正方形/長方形 3"/>
+          <p:cNvSpPr/>
+          <p:nvPr/>
+        </p:nvSpPr>
+        <p:spPr>
+          <a:xfrm>
+            <a:off x="0" y="4141176"/>
+            <a:ext cx="12192000" cy="2716824"/>
+          </a:xfrm>
+          <a:prstGeom prst="rect">
+            <a:avLst/>
+          </a:prstGeom>
+        </p:spPr>
+        <p:style>
+          <a:lnRef idx="2">
+            <a:schemeClr val="accent3">
+              <a:shade val="50000"/>
+            </a:schemeClr>
+          </a:lnRef>
+          <a:fillRef idx="1">
+            <a:schemeClr val="accent3"/>
+          </a:fillRef>
+          <a:effectRef idx="0">
+            <a:schemeClr val="accent3"/>
+          </a:effectRef>
+          <a:fontRef idx="minor">
+            <a:schemeClr val="lt1"/>
+          </a:fontRef>
+        </p:style>
+        <p:txBody>
+          <a:bodyPr rtlCol="0" anchor="ctr"/>
+          <a:lstStyle/>
+          <a:p>
+            <a:pPr algn="ctr"/>
+            <a:endParaRPr kumimoji="1" lang="ja-JP" altLang="en-US"/>
+          </a:p>
+        </p:txBody>
+      </p:sp>
+      <p:sp>
+        <p:nvSpPr>
+          <p:cNvPr id="7" name="正方形/長方形 6"/>
+          <p:cNvSpPr/>
+          <p:nvPr/>
+        </p:nvSpPr>
+        <p:spPr>
+          <a:xfrm>
+            <a:off x="0" y="4343400"/>
+            <a:ext cx="12192000" cy="307731"/>
+          </a:xfrm>
+          <a:prstGeom prst="rect">
+            <a:avLst/>
+          </a:prstGeom>
+        </p:spPr>
+        <p:style>
+          <a:lnRef idx="2">
+            <a:schemeClr val="accent3"/>
+          </a:lnRef>
+          <a:fillRef idx="1">
+            <a:schemeClr val="lt1"/>
+          </a:fillRef>
+          <a:effectRef idx="0">
+            <a:schemeClr val="accent3"/>
+          </a:effectRef>
+          <a:fontRef idx="minor">
+            <a:schemeClr val="dk1"/>
+          </a:fontRef>
+        </p:style>
+        <p:txBody>
+          <a:bodyPr rtlCol="0" anchor="ctr"/>
+          <a:lstStyle/>
+          <a:p>
+            <a:pPr algn="ctr"/>
+            <a:endParaRPr kumimoji="1" lang="ja-JP" altLang="en-US"/>
+          </a:p>
+        </p:txBody>
+      </p:sp>
+      <p:sp>
+        <p:nvSpPr>
+          <p:cNvPr id="8" name="正方形/長方形 7"/>
+          <p:cNvSpPr/>
+          <p:nvPr/>
+        </p:nvSpPr>
+        <p:spPr>
+          <a:xfrm>
+            <a:off x="0" y="6409592"/>
+            <a:ext cx="12192000" cy="298938"/>
+          </a:xfrm>
+          <a:prstGeom prst="rect">
+            <a:avLst/>
+          </a:prstGeom>
+        </p:spPr>
+        <p:style>
+          <a:lnRef idx="2">
+            <a:schemeClr val="dk1"/>
+          </a:lnRef>
+          <a:fillRef idx="1">
+            <a:schemeClr val="lt1"/>
+          </a:fillRef>
+          <a:effectRef idx="0">
+            <a:schemeClr val="dk1"/>
+          </a:effectRef>
+          <a:fontRef idx="minor">
+            <a:schemeClr val="dk1"/>
+          </a:fontRef>
+        </p:style>
+        <p:txBody>
+          <a:bodyPr rtlCol="0" anchor="ctr"/>
+          <a:lstStyle/>
+          <a:p>
+            <a:pPr algn="ctr"/>
+            <a:endParaRPr kumimoji="1" lang="ja-JP" altLang="en-US"/>
+          </a:p>
+        </p:txBody>
+      </p:sp>
+      <p:sp>
+        <p:nvSpPr>
+          <p:cNvPr id="9" name="正方形/長方形 8"/>
+          <p:cNvSpPr/>
+          <p:nvPr/>
+        </p:nvSpPr>
+        <p:spPr>
+          <a:xfrm>
+            <a:off x="914400" y="4141176"/>
+            <a:ext cx="395654" cy="2716824"/>
+          </a:xfrm>
+          <a:prstGeom prst="rect">
+            <a:avLst/>
+          </a:prstGeom>
+          <a:solidFill>
+            <a:srgbClr val="FFC000"/>
+          </a:solidFill>
+        </p:spPr>
+        <p:style>
+          <a:lnRef idx="2">
+            <a:schemeClr val="dk1"/>
+          </a:lnRef>
+          <a:fillRef idx="1">
+            <a:schemeClr val="lt1"/>
+          </a:fillRef>
+          <a:effectRef idx="0">
+            <a:schemeClr val="dk1"/>
+          </a:effectRef>
+          <a:fontRef idx="minor">
+            <a:schemeClr val="dk1"/>
+          </a:fontRef>
+        </p:style>
+        <p:txBody>
+          <a:bodyPr rtlCol="0" anchor="ctr"/>
+          <a:lstStyle/>
+          <a:p>
+            <a:pPr algn="ctr"/>
+            <a:r>
+              <a:rPr lang="ja-JP" altLang="en-US" dirty="0"/>
+              <a:t>スタート</a:t>
+            </a:r>
+            <a:endParaRPr kumimoji="1" lang="ja-JP" altLang="en-US" dirty="0"/>
+          </a:p>
+        </p:txBody>
+      </p:sp>
+      <p:sp>
+        <p:nvSpPr>
+          <p:cNvPr id="13" name="正方形/長方形 12"/>
+          <p:cNvSpPr/>
+          <p:nvPr/>
+        </p:nvSpPr>
+        <p:spPr>
+          <a:xfrm>
+            <a:off x="2088172" y="3615502"/>
+            <a:ext cx="228601" cy="525674"/>
+          </a:xfrm>
+          <a:prstGeom prst="rect">
+            <a:avLst/>
+          </a:prstGeom>
+          <a:solidFill>
+            <a:srgbClr val="A85400"/>
+          </a:solidFill>
+          <a:ln>
+            <a:solidFill>
+              <a:srgbClr val="804F40"/>
+            </a:solidFill>
+          </a:ln>
+        </p:spPr>
+        <p:style>
+          <a:lnRef idx="2">
+            <a:schemeClr val="accent2">
+              <a:shade val="50000"/>
+            </a:schemeClr>
+          </a:lnRef>
+          <a:fillRef idx="1">
+            <a:schemeClr val="accent2"/>
+          </a:fillRef>
+          <a:effectRef idx="0">
+            <a:schemeClr val="accent2"/>
+          </a:effectRef>
+          <a:fontRef idx="minor">
+            <a:schemeClr val="lt1"/>
+          </a:fontRef>
+        </p:style>
+        <p:txBody>
+          <a:bodyPr rtlCol="0" anchor="ctr"/>
+          <a:lstStyle/>
+          <a:p>
+            <a:pPr algn="ctr"/>
+            <a:endParaRPr kumimoji="1" lang="ja-JP" altLang="en-US"/>
+          </a:p>
+        </p:txBody>
+      </p:sp>
+      <p:sp>
+        <p:nvSpPr>
+          <p:cNvPr id="14" name="正方形/長方形 13"/>
+          <p:cNvSpPr/>
+          <p:nvPr/>
+        </p:nvSpPr>
+        <p:spPr>
+          <a:xfrm>
+            <a:off x="1696915" y="3130062"/>
+            <a:ext cx="1011116" cy="485440"/>
+          </a:xfrm>
+          <a:prstGeom prst="rect">
+            <a:avLst/>
+          </a:prstGeom>
+          <a:ln w="76200">
+            <a:solidFill>
+              <a:srgbClr val="A85400"/>
+            </a:solidFill>
+          </a:ln>
+        </p:spPr>
+        <p:style>
+          <a:lnRef idx="2">
+            <a:schemeClr val="accent2"/>
+          </a:lnRef>
+          <a:fillRef idx="1">
+            <a:schemeClr val="lt1"/>
+          </a:fillRef>
+          <a:effectRef idx="0">
+            <a:schemeClr val="accent2"/>
+          </a:effectRef>
+          <a:fontRef idx="minor">
+            <a:schemeClr val="dk1"/>
+          </a:fontRef>
+        </p:style>
+        <p:txBody>
+          <a:bodyPr rtlCol="0" anchor="ctr"/>
+          <a:lstStyle/>
+          <a:p>
+            <a:pPr algn="ctr"/>
+            <a:r>
+              <a:rPr kumimoji="1" lang="en-US" altLang="ja-JP" sz="2400" b="1" dirty="0" smtClean="0"/>
+              <a:t>10m</a:t>
+            </a:r>
+            <a:endParaRPr kumimoji="1" lang="ja-JP" altLang="en-US" sz="2400" b="1" dirty="0"/>
+          </a:p>
+        </p:txBody>
+      </p:sp>
+      <p:sp>
+        <p:nvSpPr>
+          <p:cNvPr id="15" name="正方形/長方形 14"/>
+          <p:cNvSpPr/>
+          <p:nvPr/>
+        </p:nvSpPr>
+        <p:spPr>
+          <a:xfrm>
+            <a:off x="3780692" y="3615502"/>
+            <a:ext cx="228601" cy="525674"/>
+          </a:xfrm>
+          <a:prstGeom prst="rect">
+            <a:avLst/>
+          </a:prstGeom>
+          <a:solidFill>
+            <a:srgbClr val="A85400"/>
+          </a:solidFill>
+          <a:ln>
+            <a:solidFill>
+              <a:srgbClr val="804F40"/>
+            </a:solidFill>
+          </a:ln>
+        </p:spPr>
+        <p:style>
+          <a:lnRef idx="2">
+            <a:schemeClr val="accent2">
+              <a:shade val="50000"/>
+            </a:schemeClr>
+          </a:lnRef>
+          <a:fillRef idx="1">
+            <a:schemeClr val="accent2"/>
+          </a:fillRef>
+          <a:effectRef idx="0">
+            <a:schemeClr val="accent2"/>
+          </a:effectRef>
+          <a:fontRef idx="minor">
+            <a:schemeClr val="lt1"/>
+          </a:fontRef>
+        </p:style>
+        <p:txBody>
+          <a:bodyPr rtlCol="0" anchor="ctr"/>
+          <a:lstStyle/>
+          <a:p>
+            <a:pPr algn="ctr"/>
+            <a:endParaRPr kumimoji="1" lang="ja-JP" altLang="en-US"/>
+          </a:p>
+        </p:txBody>
+      </p:sp>
+      <p:sp>
+        <p:nvSpPr>
+          <p:cNvPr id="16" name="正方形/長方形 15"/>
+          <p:cNvSpPr/>
+          <p:nvPr/>
+        </p:nvSpPr>
+        <p:spPr>
+          <a:xfrm>
+            <a:off x="3389435" y="3130062"/>
+            <a:ext cx="1011116" cy="485440"/>
+          </a:xfrm>
+          <a:prstGeom prst="rect">
+            <a:avLst/>
+          </a:prstGeom>
+          <a:ln w="76200">
+            <a:solidFill>
+              <a:srgbClr val="A85400"/>
+            </a:solidFill>
+          </a:ln>
+        </p:spPr>
+        <p:style>
+          <a:lnRef idx="2">
+            <a:schemeClr val="accent2"/>
+          </a:lnRef>
+          <a:fillRef idx="1">
+            <a:schemeClr val="lt1"/>
+          </a:fillRef>
+          <a:effectRef idx="0">
+            <a:schemeClr val="accent2"/>
+          </a:effectRef>
+          <a:fontRef idx="minor">
+            <a:schemeClr val="dk1"/>
+          </a:fontRef>
+        </p:style>
+        <p:txBody>
+          <a:bodyPr rtlCol="0" anchor="ctr"/>
+          <a:lstStyle/>
+          <a:p>
+            <a:pPr algn="ctr"/>
+            <a:r>
+              <a:rPr lang="en-US" altLang="ja-JP" sz="2400" b="1" dirty="0"/>
+              <a:t>2</a:t>
+            </a:r>
+            <a:r>
+              <a:rPr kumimoji="1" lang="en-US" altLang="ja-JP" sz="2400" b="1" dirty="0" smtClean="0"/>
+              <a:t>0m</a:t>
+            </a:r>
+            <a:endParaRPr kumimoji="1" lang="ja-JP" altLang="en-US" sz="2400" b="1" dirty="0"/>
+          </a:p>
+        </p:txBody>
+      </p:sp>
+      <p:sp>
+        <p:nvSpPr>
+          <p:cNvPr id="17" name="正方形/長方形 16"/>
+          <p:cNvSpPr/>
+          <p:nvPr/>
+        </p:nvSpPr>
+        <p:spPr>
+          <a:xfrm>
+            <a:off x="5473211" y="3612546"/>
+            <a:ext cx="228601" cy="525674"/>
+          </a:xfrm>
+          <a:prstGeom prst="rect">
+            <a:avLst/>
+          </a:prstGeom>
+          <a:solidFill>
+            <a:srgbClr val="A85400"/>
+          </a:solidFill>
+          <a:ln>
+            <a:solidFill>
+              <a:srgbClr val="804F40"/>
+            </a:solidFill>
+          </a:ln>
+        </p:spPr>
+        <p:style>
+          <a:lnRef idx="2">
+            <a:schemeClr val="accent2">
+              <a:shade val="50000"/>
+            </a:schemeClr>
+          </a:lnRef>
+          <a:fillRef idx="1">
+            <a:schemeClr val="accent2"/>
+          </a:fillRef>
+          <a:effectRef idx="0">
+            <a:schemeClr val="accent2"/>
+          </a:effectRef>
+          <a:fontRef idx="minor">
+            <a:schemeClr val="lt1"/>
+          </a:fontRef>
+        </p:style>
+        <p:txBody>
+          <a:bodyPr rtlCol="0" anchor="ctr"/>
+          <a:lstStyle/>
+          <a:p>
+            <a:pPr algn="ctr"/>
+            <a:endParaRPr kumimoji="1" lang="ja-JP" altLang="en-US"/>
+          </a:p>
+        </p:txBody>
+      </p:sp>
+      <p:sp>
+        <p:nvSpPr>
+          <p:cNvPr id="18" name="正方形/長方形 17"/>
+          <p:cNvSpPr/>
+          <p:nvPr/>
+        </p:nvSpPr>
+        <p:spPr>
+          <a:xfrm>
+            <a:off x="5081954" y="3130062"/>
+            <a:ext cx="1011116" cy="482484"/>
+          </a:xfrm>
+          <a:prstGeom prst="rect">
+            <a:avLst/>
+          </a:prstGeom>
+          <a:ln w="76200">
+            <a:solidFill>
+              <a:srgbClr val="A85400"/>
+            </a:solidFill>
+          </a:ln>
+        </p:spPr>
+        <p:style>
+          <a:lnRef idx="2">
+            <a:schemeClr val="accent2"/>
+          </a:lnRef>
+          <a:fillRef idx="1">
+            <a:schemeClr val="lt1"/>
+          </a:fillRef>
+          <a:effectRef idx="0">
+            <a:schemeClr val="accent2"/>
+          </a:effectRef>
+          <a:fontRef idx="minor">
+            <a:schemeClr val="dk1"/>
+          </a:fontRef>
+        </p:style>
+        <p:txBody>
+          <a:bodyPr rtlCol="0" anchor="ctr"/>
+          <a:lstStyle/>
+          <a:p>
+            <a:pPr algn="ctr"/>
+            <a:r>
+              <a:rPr kumimoji="1" lang="en-US" altLang="ja-JP" sz="2400" b="1" dirty="0" smtClean="0"/>
+              <a:t>30m</a:t>
+            </a:r>
+            <a:endParaRPr kumimoji="1" lang="ja-JP" altLang="en-US" sz="2400" b="1" dirty="0"/>
+          </a:p>
+        </p:txBody>
+      </p:sp>
+      <p:sp>
+        <p:nvSpPr>
+          <p:cNvPr id="19" name="テキスト ボックス 18"/>
+          <p:cNvSpPr txBox="1"/>
+          <p:nvPr/>
+        </p:nvSpPr>
+        <p:spPr>
+          <a:xfrm>
+            <a:off x="2636495" y="1371601"/>
+            <a:ext cx="2635494" cy="461665"/>
+          </a:xfrm>
+          <a:prstGeom prst="rect">
+            <a:avLst/>
+          </a:prstGeom>
+          <a:noFill/>
+          <a:ln w="38100">
+            <a:solidFill>
+              <a:schemeClr val="tx1"/>
+            </a:solidFill>
+          </a:ln>
+        </p:spPr>
+        <p:txBody>
+          <a:bodyPr wrap="square" rtlCol="0">
+            <a:spAutoFit/>
+          </a:bodyPr>
+          <a:lstStyle/>
+          <a:p>
+            <a:pPr algn="ctr"/>
+            <a:r>
+              <a:rPr kumimoji="1" lang="ja-JP" altLang="en-US" sz="2400" b="1" dirty="0" smtClean="0">
+                <a:effectLst>
+                  <a:outerShdw blurRad="38100" dist="38100" dir="2700000" algn="tl">
+                    <a:srgbClr val="000000">
+                      <a:alpha val="43137"/>
+                    </a:srgbClr>
+                  </a:outerShdw>
+                </a:effectLst>
+              </a:rPr>
+              <a:t>標識みたいなもの</a:t>
+            </a:r>
+            <a:endParaRPr kumimoji="1" lang="en-US" altLang="ja-JP" sz="2400" b="1" dirty="0" smtClean="0">
+              <a:effectLst>
+                <a:outerShdw blurRad="38100" dist="38100" dir="2700000" algn="tl">
+                  <a:srgbClr val="000000">
+                    <a:alpha val="43137"/>
+                  </a:srgbClr>
+                </a:outerShdw>
+              </a:effectLst>
+            </a:endParaRPr>
+          </a:p>
+        </p:txBody>
+      </p:sp>
+      <p:sp>
+        <p:nvSpPr>
+          <p:cNvPr id="20" name="下矢印 19"/>
+          <p:cNvSpPr/>
+          <p:nvPr/>
+        </p:nvSpPr>
+        <p:spPr>
+          <a:xfrm>
+            <a:off x="3598252" y="2014598"/>
+            <a:ext cx="553915" cy="940777"/>
+          </a:xfrm>
+          <a:prstGeom prst="downArrow">
+            <a:avLst/>
+          </a:prstGeom>
+        </p:spPr>
+        <p:style>
+          <a:lnRef idx="2">
+            <a:schemeClr val="accent1">
+              <a:shade val="50000"/>
+            </a:schemeClr>
+          </a:lnRef>
+          <a:fillRef idx="1">
+            <a:schemeClr val="accent1"/>
+          </a:fillRef>
+          <a:effectRef idx="0">
+            <a:schemeClr val="accent1"/>
+          </a:effectRef>
+          <a:fontRef idx="minor">
+            <a:schemeClr val="lt1"/>
+          </a:fontRef>
+        </p:style>
+        <p:txBody>
+          <a:bodyPr rtlCol="0" anchor="ctr"/>
+          <a:lstStyle/>
+          <a:p>
+            <a:pPr algn="ctr"/>
+            <a:endParaRPr kumimoji="1" lang="ja-JP" altLang="en-US"/>
+          </a:p>
+        </p:txBody>
+      </p:sp>
+      <p:sp>
+        <p:nvSpPr>
+          <p:cNvPr id="21" name="下矢印 20"/>
+          <p:cNvSpPr/>
+          <p:nvPr/>
+        </p:nvSpPr>
+        <p:spPr>
+          <a:xfrm rot="2060599">
+            <a:off x="2278209" y="2015269"/>
+            <a:ext cx="553915" cy="940777"/>
+          </a:xfrm>
+          <a:prstGeom prst="downArrow">
+            <a:avLst/>
+          </a:prstGeom>
+        </p:spPr>
+        <p:style>
+          <a:lnRef idx="2">
+            <a:schemeClr val="accent1">
+              <a:shade val="50000"/>
+            </a:schemeClr>
+          </a:lnRef>
+          <a:fillRef idx="1">
+            <a:schemeClr val="accent1"/>
+          </a:fillRef>
+          <a:effectRef idx="0">
+            <a:schemeClr val="accent1"/>
+          </a:effectRef>
+          <a:fontRef idx="minor">
+            <a:schemeClr val="lt1"/>
+          </a:fontRef>
+        </p:style>
+        <p:txBody>
+          <a:bodyPr rtlCol="0" anchor="ctr"/>
+          <a:lstStyle/>
+          <a:p>
+            <a:pPr algn="ctr"/>
+            <a:endParaRPr kumimoji="1" lang="ja-JP" altLang="en-US"/>
+          </a:p>
+        </p:txBody>
+      </p:sp>
+      <p:sp>
+        <p:nvSpPr>
+          <p:cNvPr id="22" name="下矢印 21"/>
+          <p:cNvSpPr/>
+          <p:nvPr/>
+        </p:nvSpPr>
+        <p:spPr>
+          <a:xfrm rot="19483314">
+            <a:off x="4961580" y="2014599"/>
+            <a:ext cx="553915" cy="940777"/>
+          </a:xfrm>
+          <a:prstGeom prst="downArrow">
+            <a:avLst/>
+          </a:prstGeom>
+        </p:spPr>
+        <p:style>
+          <a:lnRef idx="2">
+            <a:schemeClr val="accent1">
+              <a:shade val="50000"/>
+            </a:schemeClr>
+          </a:lnRef>
+          <a:fillRef idx="1">
+            <a:schemeClr val="accent1"/>
+          </a:fillRef>
+          <a:effectRef idx="0">
+            <a:schemeClr val="accent1"/>
+          </a:effectRef>
+          <a:fontRef idx="minor">
+            <a:schemeClr val="lt1"/>
+          </a:fontRef>
+        </p:style>
+        <p:txBody>
+          <a:bodyPr rtlCol="0" anchor="ctr"/>
+          <a:lstStyle/>
+          <a:p>
+            <a:pPr algn="ctr"/>
+            <a:endParaRPr kumimoji="1" lang="ja-JP" altLang="en-US"/>
+          </a:p>
+        </p:txBody>
+      </p:sp>
+      <p:sp>
+        <p:nvSpPr>
+          <p:cNvPr id="23" name="テキスト ボックス 22"/>
+          <p:cNvSpPr txBox="1"/>
+          <p:nvPr/>
+        </p:nvSpPr>
+        <p:spPr>
+          <a:xfrm>
+            <a:off x="8352691" y="1941025"/>
+            <a:ext cx="2644502" cy="461665"/>
+          </a:xfrm>
+          <a:prstGeom prst="rect">
+            <a:avLst/>
+          </a:prstGeom>
+          <a:noFill/>
+          <a:ln w="38100">
+            <a:solidFill>
+              <a:schemeClr val="tx1"/>
+            </a:solidFill>
+          </a:ln>
+        </p:spPr>
+        <p:txBody>
+          <a:bodyPr wrap="square" rtlCol="0">
+            <a:spAutoFit/>
+          </a:bodyPr>
+          <a:lstStyle/>
+          <a:p>
+            <a:r>
+              <a:rPr kumimoji="1" lang="ja-JP" altLang="en-US" sz="2400" b="1" dirty="0" smtClean="0">
+                <a:effectLst>
+                  <a:outerShdw blurRad="38100" dist="38100" dir="2700000" algn="tl">
+                    <a:srgbClr val="000000">
+                      <a:alpha val="43137"/>
+                    </a:srgbClr>
+                  </a:outerShdw>
+                </a:effectLst>
+              </a:rPr>
+              <a:t>道路みたいなもの</a:t>
+            </a:r>
+            <a:endParaRPr kumimoji="1" lang="ja-JP" altLang="en-US" sz="2400" b="1" dirty="0">
+              <a:effectLst>
+                <a:outerShdw blurRad="38100" dist="38100" dir="2700000" algn="tl">
+                  <a:srgbClr val="000000">
+                    <a:alpha val="43137"/>
+                  </a:srgbClr>
+                </a:outerShdw>
+              </a:effectLst>
+            </a:endParaRPr>
+          </a:p>
+        </p:txBody>
+      </p:sp>
+      <p:sp>
+        <p:nvSpPr>
+          <p:cNvPr id="24" name="下矢印 23"/>
+          <p:cNvSpPr/>
+          <p:nvPr/>
+        </p:nvSpPr>
+        <p:spPr>
+          <a:xfrm rot="268050">
+            <a:off x="8674286" y="2392530"/>
+            <a:ext cx="553915" cy="1751317"/>
+          </a:xfrm>
+          <a:prstGeom prst="downArrow">
+            <a:avLst>
+              <a:gd name="adj1" fmla="val 50000"/>
+              <a:gd name="adj2" fmla="val 110134"/>
+            </a:avLst>
+          </a:prstGeom>
+        </p:spPr>
+        <p:style>
+          <a:lnRef idx="2">
+            <a:schemeClr val="accent1">
+              <a:shade val="50000"/>
+            </a:schemeClr>
+          </a:lnRef>
+          <a:fillRef idx="1">
+            <a:schemeClr val="accent1"/>
+          </a:fillRef>
+          <a:effectRef idx="0">
+            <a:schemeClr val="accent1"/>
+          </a:effectRef>
+          <a:fontRef idx="minor">
+            <a:schemeClr val="lt1"/>
+          </a:fontRef>
+        </p:style>
+        <p:txBody>
+          <a:bodyPr rtlCol="0" anchor="ctr"/>
+          <a:lstStyle/>
+          <a:p>
+            <a:pPr algn="ctr"/>
+            <a:endParaRPr kumimoji="1" lang="ja-JP" altLang="en-US"/>
+          </a:p>
+        </p:txBody>
+      </p:sp>
+      <p:sp>
+        <p:nvSpPr>
+          <p:cNvPr id="26" name="テキスト ボックス 25"/>
+          <p:cNvSpPr txBox="1"/>
+          <p:nvPr/>
+        </p:nvSpPr>
+        <p:spPr>
+          <a:xfrm>
+            <a:off x="1112227" y="419845"/>
+            <a:ext cx="1402372" cy="584775"/>
+          </a:xfrm>
+          <a:prstGeom prst="rect">
+            <a:avLst/>
+          </a:prstGeom>
+          <a:noFill/>
+          <a:ln w="28575">
+            <a:solidFill>
+              <a:srgbClr val="00B0F0"/>
+            </a:solidFill>
+          </a:ln>
+        </p:spPr>
+        <p:txBody>
+          <a:bodyPr wrap="square" rtlCol="0">
+            <a:spAutoFit/>
+          </a:bodyPr>
+          <a:lstStyle/>
+          <a:p>
+            <a:pPr algn="ctr"/>
+            <a:r>
+              <a:rPr kumimoji="1" lang="ja-JP" altLang="en-US" sz="3200" b="1" dirty="0" smtClean="0"/>
+              <a:t>空</a:t>
+            </a:r>
+            <a:endParaRPr kumimoji="1" lang="ja-JP" altLang="en-US" sz="3200" b="1" dirty="0"/>
+          </a:p>
+        </p:txBody>
+      </p:sp>
+      <p:sp>
+        <p:nvSpPr>
+          <p:cNvPr id="28" name="テキスト ボックス 27"/>
+          <p:cNvSpPr txBox="1"/>
+          <p:nvPr/>
+        </p:nvSpPr>
+        <p:spPr>
+          <a:xfrm>
+            <a:off x="61546" y="65901"/>
+            <a:ext cx="633046" cy="646331"/>
+          </a:xfrm>
+          <a:prstGeom prst="rect">
+            <a:avLst/>
+          </a:prstGeom>
+          <a:noFill/>
+        </p:spPr>
+        <p:txBody>
+          <a:bodyPr wrap="square" rtlCol="0">
+            <a:spAutoFit/>
+          </a:bodyPr>
+          <a:lstStyle/>
+          <a:p>
+            <a:r>
+              <a:rPr kumimoji="1" lang="ja-JP" altLang="en-US" sz="3600" dirty="0" smtClean="0"/>
+              <a:t>奥</a:t>
+            </a:r>
+            <a:endParaRPr kumimoji="1" lang="ja-JP" altLang="en-US" sz="3600" dirty="0"/>
+          </a:p>
+        </p:txBody>
+      </p:sp>
+      <p:sp>
+        <p:nvSpPr>
+          <p:cNvPr id="29" name="テキスト ボックス 28"/>
+          <p:cNvSpPr txBox="1"/>
+          <p:nvPr/>
+        </p:nvSpPr>
+        <p:spPr>
+          <a:xfrm>
+            <a:off x="10997193" y="3547599"/>
+            <a:ext cx="1170127" cy="646331"/>
+          </a:xfrm>
+          <a:prstGeom prst="rect">
+            <a:avLst/>
+          </a:prstGeom>
+          <a:noFill/>
+        </p:spPr>
+        <p:txBody>
+          <a:bodyPr wrap="square" rtlCol="0">
+            <a:spAutoFit/>
+          </a:bodyPr>
+          <a:lstStyle/>
+          <a:p>
+            <a:r>
+              <a:rPr kumimoji="1" lang="ja-JP" altLang="en-US" sz="3600" dirty="0" smtClean="0"/>
+              <a:t>手前</a:t>
+            </a:r>
+            <a:endParaRPr kumimoji="1" lang="ja-JP" altLang="en-US" sz="3600" dirty="0"/>
+          </a:p>
+        </p:txBody>
+      </p:sp>
+      <p:sp>
+        <p:nvSpPr>
+          <p:cNvPr id="33" name="テキスト ボックス 32"/>
+          <p:cNvSpPr txBox="1"/>
+          <p:nvPr/>
+        </p:nvSpPr>
+        <p:spPr>
+          <a:xfrm>
+            <a:off x="95106" y="1185698"/>
+            <a:ext cx="1993925" cy="1815882"/>
+          </a:xfrm>
+          <a:prstGeom prst="rect">
+            <a:avLst/>
+          </a:prstGeom>
+          <a:noFill/>
+          <a:ln>
+            <a:solidFill>
+              <a:schemeClr val="tx1"/>
+            </a:solidFill>
+          </a:ln>
+        </p:spPr>
+        <p:txBody>
+          <a:bodyPr wrap="square" rtlCol="0">
+            <a:spAutoFit/>
+          </a:bodyPr>
+          <a:lstStyle/>
+          <a:p>
+            <a:r>
+              <a:rPr kumimoji="1" lang="ja-JP" altLang="en-US" sz="2800" dirty="0" smtClean="0"/>
+              <a:t>ビル街</a:t>
+            </a:r>
+            <a:endParaRPr kumimoji="1" lang="en-US" altLang="ja-JP" sz="2800" dirty="0" smtClean="0"/>
+          </a:p>
+          <a:p>
+            <a:r>
+              <a:rPr lang="ja-JP" altLang="en-US" sz="2800" dirty="0" smtClean="0"/>
+              <a:t>（市街地）</a:t>
+            </a:r>
+            <a:endParaRPr lang="en-US" altLang="ja-JP" sz="2800" dirty="0" smtClean="0"/>
+          </a:p>
+          <a:p>
+            <a:r>
+              <a:rPr kumimoji="1" lang="ja-JP" altLang="en-US" sz="2800" dirty="0" smtClean="0"/>
+              <a:t>モデル</a:t>
+            </a:r>
+            <a:endParaRPr kumimoji="1" lang="en-US" altLang="ja-JP" sz="2800" dirty="0" smtClean="0"/>
+          </a:p>
+          <a:p>
+            <a:r>
+              <a:rPr lang="ja-JP" altLang="en-US" sz="2800" dirty="0"/>
+              <a:t>５</a:t>
+            </a:r>
+            <a:r>
+              <a:rPr lang="ja-JP" altLang="en-US" sz="2800" dirty="0" smtClean="0"/>
+              <a:t>～</a:t>
+            </a:r>
+            <a:r>
+              <a:rPr lang="ja-JP" altLang="en-US" sz="2800" dirty="0" smtClean="0"/>
+              <a:t>６個</a:t>
+            </a:r>
+            <a:endParaRPr kumimoji="1" lang="ja-JP" altLang="en-US" sz="2800" dirty="0"/>
+          </a:p>
+        </p:txBody>
+      </p:sp>
+    </p:spTree>
+    <p:extLst>
+      <p:ext uri="{BB962C8B-B14F-4D97-AF65-F5344CB8AC3E}">
+        <p14:creationId xmlns:p14="http://schemas.microsoft.com/office/powerpoint/2010/main" val="4177930087"/>
+      </p:ext>
+    </p:extLst>
+  </p:cSld>
+  <p:clrMapOvr>
+    <a:masterClrMapping/>
+  </p:clrMapOvr>
+</p:sld>
+</file>
+
+<file path=ppt/slides/slide5.xml><?xml version="1.0" encoding="utf-8"?>
+<p:sld xmlns:a="http://schemas.openxmlformats.org/drawingml/2006/main" xmlns:r="http://schemas.openxmlformats.org/officeDocument/2006/relationships" xmlns:p="http://schemas.openxmlformats.org/presentationml/2006/main">
+  <p:cSld>
+    <p:spTree>
+      <p:nvGrpSpPr>
+        <p:cNvPr id="1" name=""/>
+        <p:cNvGrpSpPr/>
+        <p:nvPr/>
+      </p:nvGrpSpPr>
+      <p:grpSpPr>
+        <a:xfrm>
+          <a:off x="0" y="0"/>
+          <a:ext cx="0" cy="0"/>
+          <a:chOff x="0" y="0"/>
+          <a:chExt cx="0" cy="0"/>
+        </a:xfrm>
+      </p:grpSpPr>
+      <p:sp>
+        <p:nvSpPr>
           <p:cNvPr id="6" name="角丸四角形 5"/>
           <p:cNvSpPr/>
           <p:nvPr/>
         </p:nvSpPr>
         <p:spPr>
           <a:xfrm>
-            <a:off x="615462" y="206647"/>
-            <a:ext cx="8625253" cy="1415561"/>
+            <a:off x="615463" y="206647"/>
+            <a:ext cx="3464168" cy="1415561"/>
           </a:xfrm>
           <a:prstGeom prst="roundRect">
             <a:avLst/>
@@ -4365,10 +4450,10 @@
           <a:p>
             <a:pPr algn="ctr"/>
             <a:r>
-              <a:rPr kumimoji="1" lang="ja-JP" altLang="en-US" sz="3200" dirty="0" smtClean="0"/>
+              <a:rPr kumimoji="1" lang="ja-JP" altLang="en-US" sz="3200" b="1" dirty="0" smtClean="0"/>
               <a:t>空</a:t>
             </a:r>
-            <a:endParaRPr kumimoji="1" lang="ja-JP" altLang="en-US" sz="3200" dirty="0"/>
+            <a:endParaRPr kumimoji="1" lang="ja-JP" altLang="en-US" sz="3200" b="1" dirty="0"/>
           </a:p>
         </p:txBody>
       </p:sp>
@@ -4381,7 +4466,7 @@
         <p:spPr>
           <a:xfrm>
             <a:off x="2532185" y="729762"/>
-            <a:ext cx="3886200" cy="369332"/>
+            <a:ext cx="1239715" cy="369332"/>
           </a:xfrm>
           <a:prstGeom prst="rect">
             <a:avLst/>
@@ -4395,10 +4480,10 @@
           <a:lstStyle/>
           <a:p>
             <a:r>
-              <a:rPr kumimoji="1" lang="ja-JP" altLang="en-US" dirty="0" smtClean="0"/>
+              <a:rPr kumimoji="1" lang="ja-JP" altLang="en-US" b="1" dirty="0" smtClean="0"/>
               <a:t>に関して</a:t>
             </a:r>
-            <a:endParaRPr kumimoji="1" lang="ja-JP" altLang="en-US" dirty="0"/>
+            <a:endParaRPr kumimoji="1" lang="ja-JP" altLang="en-US" b="1" dirty="0"/>
           </a:p>
         </p:txBody>
       </p:sp>
@@ -4693,10 +4778,10 @@
           <a:p>
             <a:pPr algn="ctr"/>
             <a:r>
-              <a:rPr kumimoji="1" lang="ja-JP" altLang="en-US" dirty="0" smtClean="0"/>
+              <a:rPr kumimoji="1" lang="ja-JP" altLang="en-US" b="1" dirty="0" smtClean="0"/>
               <a:t>テクスチャアニメーション</a:t>
             </a:r>
-            <a:endParaRPr kumimoji="1" lang="ja-JP" altLang="en-US" dirty="0"/>
+            <a:endParaRPr kumimoji="1" lang="ja-JP" altLang="en-US" b="1" dirty="0"/>
           </a:p>
         </p:txBody>
       </p:sp>
@@ -4704,6 +4789,1003 @@
     <p:extLst>
       <p:ext uri="{BB962C8B-B14F-4D97-AF65-F5344CB8AC3E}">
         <p14:creationId xmlns:p14="http://schemas.microsoft.com/office/powerpoint/2010/main" val="3336633154"/>
+      </p:ext>
+    </p:extLst>
+  </p:cSld>
+  <p:clrMapOvr>
+    <a:masterClrMapping/>
+  </p:clrMapOvr>
+</p:sld>
+</file>
+
+<file path=ppt/slides/slide6.xml><?xml version="1.0" encoding="utf-8"?>
+<p:sld xmlns:a="http://schemas.openxmlformats.org/drawingml/2006/main" xmlns:r="http://schemas.openxmlformats.org/officeDocument/2006/relationships" xmlns:p="http://schemas.openxmlformats.org/presentationml/2006/main">
+  <p:cSld>
+    <p:spTree>
+      <p:nvGrpSpPr>
+        <p:cNvPr id="1" name=""/>
+        <p:cNvGrpSpPr/>
+        <p:nvPr/>
+      </p:nvGrpSpPr>
+      <p:grpSpPr>
+        <a:xfrm>
+          <a:off x="0" y="0"/>
+          <a:ext cx="0" cy="0"/>
+          <a:chOff x="0" y="0"/>
+          <a:chExt cx="0" cy="0"/>
+        </a:xfrm>
+      </p:grpSpPr>
+      <p:sp>
+        <p:nvSpPr>
+          <p:cNvPr id="4" name="正方形/長方形 3"/>
+          <p:cNvSpPr/>
+          <p:nvPr/>
+        </p:nvSpPr>
+        <p:spPr>
+          <a:xfrm>
+            <a:off x="0" y="4141176"/>
+            <a:ext cx="12192000" cy="2716824"/>
+          </a:xfrm>
+          <a:prstGeom prst="rect">
+            <a:avLst/>
+          </a:prstGeom>
+        </p:spPr>
+        <p:style>
+          <a:lnRef idx="2">
+            <a:schemeClr val="accent3">
+              <a:shade val="50000"/>
+            </a:schemeClr>
+          </a:lnRef>
+          <a:fillRef idx="1">
+            <a:schemeClr val="accent3"/>
+          </a:fillRef>
+          <a:effectRef idx="0">
+            <a:schemeClr val="accent3"/>
+          </a:effectRef>
+          <a:fontRef idx="minor">
+            <a:schemeClr val="lt1"/>
+          </a:fontRef>
+        </p:style>
+        <p:txBody>
+          <a:bodyPr rtlCol="0" anchor="ctr"/>
+          <a:lstStyle/>
+          <a:p>
+            <a:pPr algn="ctr"/>
+            <a:endParaRPr kumimoji="1" lang="ja-JP" altLang="en-US"/>
+          </a:p>
+        </p:txBody>
+      </p:sp>
+      <p:sp>
+        <p:nvSpPr>
+          <p:cNvPr id="5" name="正方形/長方形 4"/>
+          <p:cNvSpPr/>
+          <p:nvPr/>
+        </p:nvSpPr>
+        <p:spPr>
+          <a:xfrm>
+            <a:off x="0" y="4343400"/>
+            <a:ext cx="12192000" cy="307731"/>
+          </a:xfrm>
+          <a:prstGeom prst="rect">
+            <a:avLst/>
+          </a:prstGeom>
+        </p:spPr>
+        <p:style>
+          <a:lnRef idx="2">
+            <a:schemeClr val="accent3"/>
+          </a:lnRef>
+          <a:fillRef idx="1">
+            <a:schemeClr val="lt1"/>
+          </a:fillRef>
+          <a:effectRef idx="0">
+            <a:schemeClr val="accent3"/>
+          </a:effectRef>
+          <a:fontRef idx="minor">
+            <a:schemeClr val="dk1"/>
+          </a:fontRef>
+        </p:style>
+        <p:txBody>
+          <a:bodyPr rtlCol="0" anchor="ctr"/>
+          <a:lstStyle/>
+          <a:p>
+            <a:pPr algn="ctr"/>
+            <a:endParaRPr kumimoji="1" lang="ja-JP" altLang="en-US"/>
+          </a:p>
+        </p:txBody>
+      </p:sp>
+      <p:sp>
+        <p:nvSpPr>
+          <p:cNvPr id="6" name="正方形/長方形 5"/>
+          <p:cNvSpPr/>
+          <p:nvPr/>
+        </p:nvSpPr>
+        <p:spPr>
+          <a:xfrm>
+            <a:off x="0" y="6409592"/>
+            <a:ext cx="12192000" cy="298938"/>
+          </a:xfrm>
+          <a:prstGeom prst="rect">
+            <a:avLst/>
+          </a:prstGeom>
+        </p:spPr>
+        <p:style>
+          <a:lnRef idx="2">
+            <a:schemeClr val="dk1"/>
+          </a:lnRef>
+          <a:fillRef idx="1">
+            <a:schemeClr val="lt1"/>
+          </a:fillRef>
+          <a:effectRef idx="0">
+            <a:schemeClr val="dk1"/>
+          </a:effectRef>
+          <a:fontRef idx="minor">
+            <a:schemeClr val="dk1"/>
+          </a:fontRef>
+        </p:style>
+        <p:txBody>
+          <a:bodyPr rtlCol="0" anchor="ctr"/>
+          <a:lstStyle/>
+          <a:p>
+            <a:pPr algn="ctr"/>
+            <a:endParaRPr kumimoji="1" lang="ja-JP" altLang="en-US"/>
+          </a:p>
+        </p:txBody>
+      </p:sp>
+      <p:sp>
+        <p:nvSpPr>
+          <p:cNvPr id="8" name="二等辺三角形 7"/>
+          <p:cNvSpPr/>
+          <p:nvPr/>
+        </p:nvSpPr>
+        <p:spPr>
+          <a:xfrm rot="10800000">
+            <a:off x="8730759" y="3044048"/>
+            <a:ext cx="949573" cy="996016"/>
+          </a:xfrm>
+          <a:prstGeom prst="triangle">
+            <a:avLst/>
+          </a:prstGeom>
+          <a:solidFill>
+            <a:srgbClr val="FF0000"/>
+          </a:solidFill>
+        </p:spPr>
+        <p:style>
+          <a:lnRef idx="2">
+            <a:schemeClr val="accent1">
+              <a:shade val="50000"/>
+            </a:schemeClr>
+          </a:lnRef>
+          <a:fillRef idx="1">
+            <a:schemeClr val="accent1"/>
+          </a:fillRef>
+          <a:effectRef idx="0">
+            <a:schemeClr val="accent1"/>
+          </a:effectRef>
+          <a:fontRef idx="minor">
+            <a:schemeClr val="lt1"/>
+          </a:fontRef>
+        </p:style>
+        <p:txBody>
+          <a:bodyPr rtlCol="0" anchor="ctr">
+            <a:scene3d>
+              <a:camera prst="orthographicFront"/>
+              <a:lightRig rig="threePt" dir="t"/>
+            </a:scene3d>
+            <a:sp3d extrusionH="57150">
+              <a:bevelT w="82550" h="38100" prst="coolSlant"/>
+            </a:sp3d>
+          </a:bodyPr>
+          <a:lstStyle/>
+          <a:p>
+            <a:pPr algn="ctr"/>
+            <a:endParaRPr kumimoji="1" lang="ja-JP" altLang="en-US">
+              <a:ln w="38100">
+                <a:solidFill>
+                  <a:schemeClr val="tx1"/>
+                </a:solidFill>
+              </a:ln>
+            </a:endParaRPr>
+          </a:p>
+        </p:txBody>
+      </p:sp>
+      <p:sp>
+        <p:nvSpPr>
+          <p:cNvPr id="9" name="テキスト ボックス 8"/>
+          <p:cNvSpPr txBox="1"/>
+          <p:nvPr/>
+        </p:nvSpPr>
+        <p:spPr>
+          <a:xfrm>
+            <a:off x="8342802" y="1316594"/>
+            <a:ext cx="3658699" cy="830997"/>
+          </a:xfrm>
+          <a:prstGeom prst="rect">
+            <a:avLst/>
+          </a:prstGeom>
+          <a:noFill/>
+          <a:ln w="38100">
+            <a:solidFill>
+              <a:schemeClr val="tx1"/>
+            </a:solidFill>
+          </a:ln>
+        </p:spPr>
+        <p:txBody>
+          <a:bodyPr wrap="square" rtlCol="0">
+            <a:spAutoFit/>
+          </a:bodyPr>
+          <a:lstStyle/>
+          <a:p>
+            <a:r>
+              <a:rPr kumimoji="1" lang="ja-JP" altLang="en-US" sz="2400" b="1" dirty="0" smtClean="0">
+                <a:effectLst>
+                  <a:outerShdw blurRad="38100" dist="38100" dir="2700000" algn="tl">
+                    <a:srgbClr val="000000">
+                      <a:alpha val="43137"/>
+                    </a:srgbClr>
+                  </a:outerShdw>
+                </a:effectLst>
+              </a:rPr>
+              <a:t>三角コーンみたいな印か</a:t>
+            </a:r>
+            <a:endParaRPr kumimoji="1" lang="en-US" altLang="ja-JP" sz="2400" b="1" dirty="0" smtClean="0">
+              <a:effectLst>
+                <a:outerShdw blurRad="38100" dist="38100" dir="2700000" algn="tl">
+                  <a:srgbClr val="000000">
+                    <a:alpha val="43137"/>
+                  </a:srgbClr>
+                </a:outerShdw>
+              </a:effectLst>
+            </a:endParaRPr>
+          </a:p>
+          <a:p>
+            <a:r>
+              <a:rPr kumimoji="1" lang="ja-JP" altLang="en-US" sz="2400" b="1" dirty="0" smtClean="0">
+                <a:effectLst>
+                  <a:outerShdw blurRad="38100" dist="38100" dir="2700000" algn="tl">
+                    <a:srgbClr val="000000">
+                      <a:alpha val="43137"/>
+                    </a:srgbClr>
+                  </a:outerShdw>
+                </a:effectLst>
+              </a:rPr>
+              <a:t>止まれの標識みたいの</a:t>
+            </a:r>
+            <a:endParaRPr kumimoji="1" lang="ja-JP" altLang="en-US" sz="2400" b="1" dirty="0">
+              <a:effectLst>
+                <a:outerShdw blurRad="38100" dist="38100" dir="2700000" algn="tl">
+                  <a:srgbClr val="000000">
+                    <a:alpha val="43137"/>
+                  </a:srgbClr>
+                </a:outerShdw>
+              </a:effectLst>
+            </a:endParaRPr>
+          </a:p>
+        </p:txBody>
+      </p:sp>
+      <p:sp>
+        <p:nvSpPr>
+          <p:cNvPr id="10" name="下矢印 9"/>
+          <p:cNvSpPr/>
+          <p:nvPr/>
+        </p:nvSpPr>
+        <p:spPr>
+          <a:xfrm rot="1961452">
+            <a:off x="9640765" y="2074567"/>
+            <a:ext cx="553915" cy="1037256"/>
+          </a:xfrm>
+          <a:prstGeom prst="downArrow">
+            <a:avLst>
+              <a:gd name="adj1" fmla="val 50000"/>
+              <a:gd name="adj2" fmla="val 110134"/>
+            </a:avLst>
+          </a:prstGeom>
+        </p:spPr>
+        <p:style>
+          <a:lnRef idx="2">
+            <a:schemeClr val="accent1">
+              <a:shade val="50000"/>
+            </a:schemeClr>
+          </a:lnRef>
+          <a:fillRef idx="1">
+            <a:schemeClr val="accent1"/>
+          </a:fillRef>
+          <a:effectRef idx="0">
+            <a:schemeClr val="accent1"/>
+          </a:effectRef>
+          <a:fontRef idx="minor">
+            <a:schemeClr val="lt1"/>
+          </a:fontRef>
+        </p:style>
+        <p:txBody>
+          <a:bodyPr rtlCol="0" anchor="ctr"/>
+          <a:lstStyle/>
+          <a:p>
+            <a:pPr algn="ctr"/>
+            <a:endParaRPr kumimoji="1" lang="ja-JP" altLang="en-US"/>
+          </a:p>
+        </p:txBody>
+      </p:sp>
+      <p:sp>
+        <p:nvSpPr>
+          <p:cNvPr id="11" name="正方形/長方形 10"/>
+          <p:cNvSpPr/>
+          <p:nvPr/>
+        </p:nvSpPr>
+        <p:spPr>
+          <a:xfrm>
+            <a:off x="8612063" y="4108754"/>
+            <a:ext cx="1186963" cy="2749245"/>
+          </a:xfrm>
+          <a:prstGeom prst="rect">
+            <a:avLst/>
+          </a:prstGeom>
+          <a:solidFill>
+            <a:srgbClr val="FF0000"/>
+          </a:solidFill>
+        </p:spPr>
+        <p:style>
+          <a:lnRef idx="2">
+            <a:schemeClr val="accent1">
+              <a:shade val="50000"/>
+            </a:schemeClr>
+          </a:lnRef>
+          <a:fillRef idx="1">
+            <a:schemeClr val="accent1"/>
+          </a:fillRef>
+          <a:effectRef idx="0">
+            <a:schemeClr val="accent1"/>
+          </a:effectRef>
+          <a:fontRef idx="minor">
+            <a:schemeClr val="lt1"/>
+          </a:fontRef>
+        </p:style>
+        <p:txBody>
+          <a:bodyPr rtlCol="0" anchor="ctr"/>
+          <a:lstStyle/>
+          <a:p>
+            <a:pPr algn="ctr"/>
+            <a:r>
+              <a:rPr kumimoji="1" lang="ja-JP" altLang="en-US" sz="4800" b="1" dirty="0" smtClean="0">
+                <a:solidFill>
+                  <a:srgbClr val="FFFF00"/>
+                </a:solidFill>
+              </a:rPr>
+              <a:t>止</a:t>
+            </a:r>
+            <a:endParaRPr kumimoji="1" lang="en-US" altLang="ja-JP" sz="4800" b="1" dirty="0" smtClean="0">
+              <a:solidFill>
+                <a:srgbClr val="FFFF00"/>
+              </a:solidFill>
+            </a:endParaRPr>
+          </a:p>
+          <a:p>
+            <a:pPr algn="ctr"/>
+            <a:r>
+              <a:rPr kumimoji="1" lang="ja-JP" altLang="en-US" sz="4800" b="1" dirty="0" smtClean="0">
+                <a:solidFill>
+                  <a:srgbClr val="FFFF00"/>
+                </a:solidFill>
+              </a:rPr>
+              <a:t>ま</a:t>
+            </a:r>
+            <a:endParaRPr kumimoji="1" lang="en-US" altLang="ja-JP" sz="4800" b="1" dirty="0" smtClean="0">
+              <a:solidFill>
+                <a:srgbClr val="FFFF00"/>
+              </a:solidFill>
+            </a:endParaRPr>
+          </a:p>
+          <a:p>
+            <a:pPr algn="ctr"/>
+            <a:r>
+              <a:rPr kumimoji="1" lang="ja-JP" altLang="en-US" sz="4800" b="1" dirty="0" smtClean="0">
+                <a:solidFill>
+                  <a:srgbClr val="FFFF00"/>
+                </a:solidFill>
+              </a:rPr>
+              <a:t>れ</a:t>
+            </a:r>
+            <a:endParaRPr kumimoji="1" lang="ja-JP" altLang="en-US" sz="4800" b="1" dirty="0">
+              <a:solidFill>
+                <a:srgbClr val="FFFF00"/>
+              </a:solidFill>
+            </a:endParaRPr>
+          </a:p>
+        </p:txBody>
+      </p:sp>
+      <p:sp>
+        <p:nvSpPr>
+          <p:cNvPr id="12" name="テキスト ボックス 11"/>
+          <p:cNvSpPr txBox="1"/>
+          <p:nvPr/>
+        </p:nvSpPr>
+        <p:spPr>
+          <a:xfrm>
+            <a:off x="6184077" y="3151777"/>
+            <a:ext cx="1478416" cy="830997"/>
+          </a:xfrm>
+          <a:prstGeom prst="rect">
+            <a:avLst/>
+          </a:prstGeom>
+          <a:noFill/>
+          <a:ln w="38100">
+            <a:solidFill>
+              <a:schemeClr val="tx1"/>
+            </a:solidFill>
+          </a:ln>
+        </p:spPr>
+        <p:txBody>
+          <a:bodyPr wrap="square" rtlCol="0">
+            <a:spAutoFit/>
+          </a:bodyPr>
+          <a:lstStyle/>
+          <a:p>
+            <a:pPr algn="ctr"/>
+            <a:r>
+              <a:rPr kumimoji="1" lang="ja-JP" altLang="en-US" sz="2400" b="1" dirty="0" smtClean="0">
+                <a:effectLst>
+                  <a:outerShdw blurRad="38100" dist="38100" dir="2700000" algn="tl">
+                    <a:srgbClr val="000000">
+                      <a:alpha val="43137"/>
+                    </a:srgbClr>
+                  </a:outerShdw>
+                </a:effectLst>
+              </a:rPr>
+              <a:t>止まれのゾーン</a:t>
+            </a:r>
+            <a:endParaRPr kumimoji="1" lang="ja-JP" altLang="en-US" sz="2400" b="1" dirty="0">
+              <a:effectLst>
+                <a:outerShdw blurRad="38100" dist="38100" dir="2700000" algn="tl">
+                  <a:srgbClr val="000000">
+                    <a:alpha val="43137"/>
+                  </a:srgbClr>
+                </a:outerShdw>
+              </a:effectLst>
+            </a:endParaRPr>
+          </a:p>
+        </p:txBody>
+      </p:sp>
+      <p:sp>
+        <p:nvSpPr>
+          <p:cNvPr id="13" name="下矢印 12"/>
+          <p:cNvSpPr/>
+          <p:nvPr/>
+        </p:nvSpPr>
+        <p:spPr>
+          <a:xfrm rot="18083218">
+            <a:off x="7746677" y="3570328"/>
+            <a:ext cx="553915" cy="1318733"/>
+          </a:xfrm>
+          <a:prstGeom prst="downArrow">
+            <a:avLst>
+              <a:gd name="adj1" fmla="val 50000"/>
+              <a:gd name="adj2" fmla="val 110134"/>
+            </a:avLst>
+          </a:prstGeom>
+        </p:spPr>
+        <p:style>
+          <a:lnRef idx="2">
+            <a:schemeClr val="accent1">
+              <a:shade val="50000"/>
+            </a:schemeClr>
+          </a:lnRef>
+          <a:fillRef idx="1">
+            <a:schemeClr val="accent1"/>
+          </a:fillRef>
+          <a:effectRef idx="0">
+            <a:schemeClr val="accent1"/>
+          </a:effectRef>
+          <a:fontRef idx="minor">
+            <a:schemeClr val="lt1"/>
+          </a:fontRef>
+        </p:style>
+        <p:txBody>
+          <a:bodyPr rtlCol="0" anchor="ctr"/>
+          <a:lstStyle/>
+          <a:p>
+            <a:pPr algn="ctr"/>
+            <a:endParaRPr kumimoji="1" lang="ja-JP" altLang="en-US"/>
+          </a:p>
+        </p:txBody>
+      </p:sp>
+      <p:sp>
+        <p:nvSpPr>
+          <p:cNvPr id="14" name="テキスト ボックス 13"/>
+          <p:cNvSpPr txBox="1"/>
+          <p:nvPr/>
+        </p:nvSpPr>
+        <p:spPr>
+          <a:xfrm>
+            <a:off x="398208" y="383458"/>
+            <a:ext cx="4380269" cy="923330"/>
+          </a:xfrm>
+          <a:prstGeom prst="rect">
+            <a:avLst/>
+          </a:prstGeom>
+          <a:noFill/>
+        </p:spPr>
+        <p:txBody>
+          <a:bodyPr wrap="square" rtlCol="0">
+            <a:spAutoFit/>
+          </a:bodyPr>
+          <a:lstStyle/>
+          <a:p>
+            <a:pPr algn="ctr"/>
+            <a:r>
+              <a:rPr kumimoji="1" lang="ja-JP" altLang="en-US" sz="5400" b="1" dirty="0" smtClean="0"/>
+              <a:t>止まるところ</a:t>
+            </a:r>
+            <a:endParaRPr kumimoji="1" lang="ja-JP" altLang="en-US" sz="5400" b="1" dirty="0"/>
+          </a:p>
+        </p:txBody>
+      </p:sp>
+    </p:spTree>
+    <p:extLst>
+      <p:ext uri="{BB962C8B-B14F-4D97-AF65-F5344CB8AC3E}">
+        <p14:creationId xmlns:p14="http://schemas.microsoft.com/office/powerpoint/2010/main" val="2423447026"/>
+      </p:ext>
+    </p:extLst>
+  </p:cSld>
+  <p:clrMapOvr>
+    <a:masterClrMapping/>
+  </p:clrMapOvr>
+</p:sld>
+</file>
+
+<file path=ppt/slides/slide7.xml><?xml version="1.0" encoding="utf-8"?>
+<p:sld xmlns:a="http://schemas.openxmlformats.org/drawingml/2006/main" xmlns:r="http://schemas.openxmlformats.org/officeDocument/2006/relationships" xmlns:p="http://schemas.openxmlformats.org/presentationml/2006/main">
+  <p:cSld>
+    <p:spTree>
+      <p:nvGrpSpPr>
+        <p:cNvPr id="1" name=""/>
+        <p:cNvGrpSpPr/>
+        <p:nvPr/>
+      </p:nvGrpSpPr>
+      <p:grpSpPr>
+        <a:xfrm>
+          <a:off x="0" y="0"/>
+          <a:ext cx="0" cy="0"/>
+          <a:chOff x="0" y="0"/>
+          <a:chExt cx="0" cy="0"/>
+        </a:xfrm>
+      </p:grpSpPr>
+      <p:sp>
+        <p:nvSpPr>
+          <p:cNvPr id="4" name="正方形/長方形 3"/>
+          <p:cNvSpPr/>
+          <p:nvPr/>
+        </p:nvSpPr>
+        <p:spPr>
+          <a:xfrm>
+            <a:off x="0" y="4141176"/>
+            <a:ext cx="7816362" cy="2716824"/>
+          </a:xfrm>
+          <a:prstGeom prst="rect">
+            <a:avLst/>
+          </a:prstGeom>
+        </p:spPr>
+        <p:style>
+          <a:lnRef idx="2">
+            <a:schemeClr val="accent3">
+              <a:shade val="50000"/>
+            </a:schemeClr>
+          </a:lnRef>
+          <a:fillRef idx="1">
+            <a:schemeClr val="accent3"/>
+          </a:fillRef>
+          <a:effectRef idx="0">
+            <a:schemeClr val="accent3"/>
+          </a:effectRef>
+          <a:fontRef idx="minor">
+            <a:schemeClr val="lt1"/>
+          </a:fontRef>
+        </p:style>
+        <p:txBody>
+          <a:bodyPr rtlCol="0" anchor="ctr"/>
+          <a:lstStyle/>
+          <a:p>
+            <a:pPr algn="ctr"/>
+            <a:endParaRPr kumimoji="1" lang="ja-JP" altLang="en-US"/>
+          </a:p>
+        </p:txBody>
+      </p:sp>
+      <p:sp>
+        <p:nvSpPr>
+          <p:cNvPr id="5" name="正方形/長方形 4"/>
+          <p:cNvSpPr/>
+          <p:nvPr/>
+        </p:nvSpPr>
+        <p:spPr>
+          <a:xfrm>
+            <a:off x="0" y="4343400"/>
+            <a:ext cx="7816362" cy="307731"/>
+          </a:xfrm>
+          <a:prstGeom prst="rect">
+            <a:avLst/>
+          </a:prstGeom>
+        </p:spPr>
+        <p:style>
+          <a:lnRef idx="2">
+            <a:schemeClr val="accent3"/>
+          </a:lnRef>
+          <a:fillRef idx="1">
+            <a:schemeClr val="lt1"/>
+          </a:fillRef>
+          <a:effectRef idx="0">
+            <a:schemeClr val="accent3"/>
+          </a:effectRef>
+          <a:fontRef idx="minor">
+            <a:schemeClr val="dk1"/>
+          </a:fontRef>
+        </p:style>
+        <p:txBody>
+          <a:bodyPr rtlCol="0" anchor="ctr"/>
+          <a:lstStyle/>
+          <a:p>
+            <a:pPr algn="ctr"/>
+            <a:endParaRPr kumimoji="1" lang="ja-JP" altLang="en-US"/>
+          </a:p>
+        </p:txBody>
+      </p:sp>
+      <p:sp>
+        <p:nvSpPr>
+          <p:cNvPr id="6" name="正方形/長方形 5"/>
+          <p:cNvSpPr/>
+          <p:nvPr/>
+        </p:nvSpPr>
+        <p:spPr>
+          <a:xfrm>
+            <a:off x="0" y="6409592"/>
+            <a:ext cx="7816362" cy="298938"/>
+          </a:xfrm>
+          <a:prstGeom prst="rect">
+            <a:avLst/>
+          </a:prstGeom>
+        </p:spPr>
+        <p:style>
+          <a:lnRef idx="2">
+            <a:schemeClr val="dk1"/>
+          </a:lnRef>
+          <a:fillRef idx="1">
+            <a:schemeClr val="lt1"/>
+          </a:fillRef>
+          <a:effectRef idx="0">
+            <a:schemeClr val="dk1"/>
+          </a:effectRef>
+          <a:fontRef idx="minor">
+            <a:schemeClr val="dk1"/>
+          </a:fontRef>
+        </p:style>
+        <p:txBody>
+          <a:bodyPr rtlCol="0" anchor="ctr"/>
+          <a:lstStyle/>
+          <a:p>
+            <a:pPr algn="ctr"/>
+            <a:endParaRPr kumimoji="1" lang="ja-JP" altLang="en-US"/>
+          </a:p>
+        </p:txBody>
+      </p:sp>
+      <p:sp>
+        <p:nvSpPr>
+          <p:cNvPr id="8" name="正方形/長方形 7"/>
+          <p:cNvSpPr/>
+          <p:nvPr/>
+        </p:nvSpPr>
+        <p:spPr>
+          <a:xfrm>
+            <a:off x="7816362" y="4141176"/>
+            <a:ext cx="4375638" cy="2716824"/>
+          </a:xfrm>
+          <a:prstGeom prst="rect">
+            <a:avLst/>
+          </a:prstGeom>
+          <a:solidFill>
+            <a:schemeClr val="tx1"/>
+          </a:solidFill>
+        </p:spPr>
+        <p:style>
+          <a:lnRef idx="2">
+            <a:schemeClr val="accent1">
+              <a:shade val="50000"/>
+            </a:schemeClr>
+          </a:lnRef>
+          <a:fillRef idx="1">
+            <a:schemeClr val="accent1"/>
+          </a:fillRef>
+          <a:effectRef idx="0">
+            <a:schemeClr val="accent1"/>
+          </a:effectRef>
+          <a:fontRef idx="minor">
+            <a:schemeClr val="lt1"/>
+          </a:fontRef>
+        </p:style>
+        <p:txBody>
+          <a:bodyPr rtlCol="0" anchor="ctr"/>
+          <a:lstStyle/>
+          <a:p>
+            <a:pPr algn="ctr"/>
+            <a:r>
+              <a:rPr kumimoji="1" lang="en-US" altLang="ja-JP" sz="11500" b="1" dirty="0" smtClean="0"/>
+              <a:t>OUT</a:t>
+            </a:r>
+            <a:endParaRPr kumimoji="1" lang="ja-JP" altLang="en-US" sz="11500" b="1" dirty="0"/>
+          </a:p>
+        </p:txBody>
+      </p:sp>
+      <p:sp>
+        <p:nvSpPr>
+          <p:cNvPr id="9" name="テキスト ボックス 8"/>
+          <p:cNvSpPr txBox="1"/>
+          <p:nvPr/>
+        </p:nvSpPr>
+        <p:spPr>
+          <a:xfrm>
+            <a:off x="398208" y="383458"/>
+            <a:ext cx="1047136" cy="1015663"/>
+          </a:xfrm>
+          <a:prstGeom prst="rect">
+            <a:avLst/>
+          </a:prstGeom>
+          <a:noFill/>
+        </p:spPr>
+        <p:txBody>
+          <a:bodyPr wrap="square" rtlCol="0">
+            <a:spAutoFit/>
+          </a:bodyPr>
+          <a:lstStyle/>
+          <a:p>
+            <a:r>
+              <a:rPr kumimoji="1" lang="ja-JP" altLang="en-US" sz="6000" b="1" dirty="0" smtClean="0"/>
+              <a:t>端</a:t>
+            </a:r>
+            <a:endParaRPr kumimoji="1" lang="ja-JP" altLang="en-US" sz="6000" b="1" dirty="0"/>
+          </a:p>
+        </p:txBody>
+      </p:sp>
+    </p:spTree>
+    <p:extLst>
+      <p:ext uri="{BB962C8B-B14F-4D97-AF65-F5344CB8AC3E}">
+        <p14:creationId xmlns:p14="http://schemas.microsoft.com/office/powerpoint/2010/main" val="389404514"/>
+      </p:ext>
+    </p:extLst>
+  </p:cSld>
+  <p:clrMapOvr>
+    <a:masterClrMapping/>
+  </p:clrMapOvr>
+</p:sld>
+</file>
+
+<file path=ppt/slides/slide8.xml><?xml version="1.0" encoding="utf-8"?>
+<p:sld xmlns:a="http://schemas.openxmlformats.org/drawingml/2006/main" xmlns:r="http://schemas.openxmlformats.org/officeDocument/2006/relationships" xmlns:p="http://schemas.openxmlformats.org/presentationml/2006/main">
+  <p:cSld>
+    <p:spTree>
+      <p:nvGrpSpPr>
+        <p:cNvPr id="1" name=""/>
+        <p:cNvGrpSpPr/>
+        <p:nvPr/>
+      </p:nvGrpSpPr>
+      <p:grpSpPr>
+        <a:xfrm>
+          <a:off x="0" y="0"/>
+          <a:ext cx="0" cy="0"/>
+          <a:chOff x="0" y="0"/>
+          <a:chExt cx="0" cy="0"/>
+        </a:xfrm>
+      </p:grpSpPr>
+      <p:sp>
+        <p:nvSpPr>
+          <p:cNvPr id="7" name="角丸四角形 6"/>
+          <p:cNvSpPr/>
+          <p:nvPr/>
+        </p:nvSpPr>
+        <p:spPr>
+          <a:xfrm>
+            <a:off x="597878" y="180270"/>
+            <a:ext cx="4106007" cy="1415561"/>
+          </a:xfrm>
+          <a:prstGeom prst="roundRect">
+            <a:avLst/>
+          </a:prstGeom>
+        </p:spPr>
+        <p:style>
+          <a:lnRef idx="2">
+            <a:schemeClr val="accent4">
+              <a:shade val="50000"/>
+            </a:schemeClr>
+          </a:lnRef>
+          <a:fillRef idx="1">
+            <a:schemeClr val="accent4"/>
+          </a:fillRef>
+          <a:effectRef idx="0">
+            <a:schemeClr val="accent4"/>
+          </a:effectRef>
+          <a:fontRef idx="minor">
+            <a:schemeClr val="lt1"/>
+          </a:fontRef>
+        </p:style>
+        <p:txBody>
+          <a:bodyPr rtlCol="0" anchor="ctr"/>
+          <a:lstStyle/>
+          <a:p>
+            <a:pPr algn="ctr"/>
+            <a:endParaRPr kumimoji="1" lang="ja-JP" altLang="en-US"/>
+          </a:p>
+        </p:txBody>
+      </p:sp>
+      <p:sp>
+        <p:nvSpPr>
+          <p:cNvPr id="4" name="正方形/長方形 3"/>
+          <p:cNvSpPr/>
+          <p:nvPr/>
+        </p:nvSpPr>
+        <p:spPr>
+          <a:xfrm>
+            <a:off x="1002324" y="558338"/>
+            <a:ext cx="1494692" cy="659424"/>
+          </a:xfrm>
+          <a:prstGeom prst="rect">
+            <a:avLst/>
+          </a:prstGeom>
+          <a:solidFill>
+            <a:schemeClr val="tx1"/>
+          </a:solidFill>
+        </p:spPr>
+        <p:style>
+          <a:lnRef idx="2">
+            <a:schemeClr val="accent1">
+              <a:shade val="50000"/>
+            </a:schemeClr>
+          </a:lnRef>
+          <a:fillRef idx="1">
+            <a:schemeClr val="accent1"/>
+          </a:fillRef>
+          <a:effectRef idx="0">
+            <a:schemeClr val="accent1"/>
+          </a:effectRef>
+          <a:fontRef idx="minor">
+            <a:schemeClr val="lt1"/>
+          </a:fontRef>
+        </p:style>
+        <p:txBody>
+          <a:bodyPr rtlCol="0" anchor="ctr"/>
+          <a:lstStyle/>
+          <a:p>
+            <a:pPr algn="ctr"/>
+            <a:r>
+              <a:rPr kumimoji="1" lang="en-US" altLang="ja-JP" sz="4400" b="1" dirty="0" smtClean="0"/>
+              <a:t>OUT</a:t>
+            </a:r>
+            <a:endParaRPr kumimoji="1" lang="ja-JP" altLang="en-US" sz="4400" b="1" dirty="0"/>
+          </a:p>
+        </p:txBody>
+      </p:sp>
+      <p:sp>
+        <p:nvSpPr>
+          <p:cNvPr id="5" name="テキスト ボックス 4"/>
+          <p:cNvSpPr txBox="1"/>
+          <p:nvPr/>
+        </p:nvSpPr>
+        <p:spPr>
+          <a:xfrm>
+            <a:off x="2734409" y="760508"/>
+            <a:ext cx="1802423" cy="369332"/>
+          </a:xfrm>
+          <a:prstGeom prst="rect">
+            <a:avLst/>
+          </a:prstGeom>
+          <a:noFill/>
+        </p:spPr>
+        <p:txBody>
+          <a:bodyPr wrap="square" rtlCol="0">
+            <a:spAutoFit/>
+          </a:bodyPr>
+          <a:lstStyle/>
+          <a:p>
+            <a:r>
+              <a:rPr kumimoji="1" lang="ja-JP" altLang="en-US" b="1" dirty="0" smtClean="0"/>
+              <a:t>ゾーンについて</a:t>
+            </a:r>
+            <a:endParaRPr kumimoji="1" lang="ja-JP" altLang="en-US" b="1" dirty="0"/>
+          </a:p>
+        </p:txBody>
+      </p:sp>
+      <p:sp>
+        <p:nvSpPr>
+          <p:cNvPr id="8" name="テキスト ボックス 7"/>
+          <p:cNvSpPr txBox="1"/>
+          <p:nvPr/>
+        </p:nvSpPr>
+        <p:spPr>
+          <a:xfrm>
+            <a:off x="566555" y="1973899"/>
+            <a:ext cx="871538" cy="769441"/>
+          </a:xfrm>
+          <a:prstGeom prst="rect">
+            <a:avLst/>
+          </a:prstGeom>
+          <a:noFill/>
+        </p:spPr>
+        <p:txBody>
+          <a:bodyPr wrap="square" rtlCol="0">
+            <a:spAutoFit/>
+          </a:bodyPr>
+          <a:lstStyle/>
+          <a:p>
+            <a:r>
+              <a:rPr kumimoji="1" lang="ja-JP" altLang="en-US" sz="4400" b="1" dirty="0" smtClean="0"/>
+              <a:t>案</a:t>
+            </a:r>
+            <a:endParaRPr kumimoji="1" lang="ja-JP" altLang="en-US" sz="4400" b="1" dirty="0"/>
+          </a:p>
+        </p:txBody>
+      </p:sp>
+      <p:sp>
+        <p:nvSpPr>
+          <p:cNvPr id="9" name="テキスト ボックス 8"/>
+          <p:cNvSpPr txBox="1"/>
+          <p:nvPr/>
+        </p:nvSpPr>
+        <p:spPr>
+          <a:xfrm>
+            <a:off x="597878" y="2829020"/>
+            <a:ext cx="9894092" cy="584775"/>
+          </a:xfrm>
+          <a:prstGeom prst="rect">
+            <a:avLst/>
+          </a:prstGeom>
+          <a:noFill/>
+        </p:spPr>
+        <p:txBody>
+          <a:bodyPr wrap="square" rtlCol="0">
+            <a:spAutoFit/>
+          </a:bodyPr>
+          <a:lstStyle/>
+          <a:p>
+            <a:r>
+              <a:rPr kumimoji="1" lang="ja-JP" altLang="en-US" sz="3200" b="1" dirty="0" smtClean="0"/>
+              <a:t>・落として何ｍってところを</a:t>
+            </a:r>
+            <a:r>
+              <a:rPr lang="ja-JP" altLang="en-US" sz="3200" b="1" dirty="0" smtClean="0"/>
+              <a:t>失格にする</a:t>
+            </a:r>
+            <a:endParaRPr kumimoji="1" lang="ja-JP" altLang="en-US" sz="3200" b="1" dirty="0"/>
+          </a:p>
+        </p:txBody>
+      </p:sp>
+      <p:sp>
+        <p:nvSpPr>
+          <p:cNvPr id="11" name="テキスト ボックス 10"/>
+          <p:cNvSpPr txBox="1"/>
+          <p:nvPr/>
+        </p:nvSpPr>
+        <p:spPr>
+          <a:xfrm>
+            <a:off x="597878" y="4354596"/>
+            <a:ext cx="9894092" cy="584775"/>
+          </a:xfrm>
+          <a:prstGeom prst="rect">
+            <a:avLst/>
+          </a:prstGeom>
+          <a:noFill/>
+        </p:spPr>
+        <p:txBody>
+          <a:bodyPr wrap="square" rtlCol="0">
+            <a:spAutoFit/>
+          </a:bodyPr>
+          <a:lstStyle/>
+          <a:p>
+            <a:r>
+              <a:rPr kumimoji="1" lang="ja-JP" altLang="en-US" sz="3200" b="1" dirty="0" smtClean="0"/>
+              <a:t>・壁か何かのモデルを作って止める</a:t>
+            </a:r>
+            <a:endParaRPr kumimoji="1" lang="ja-JP" altLang="en-US" sz="3200" b="1" dirty="0"/>
+          </a:p>
+        </p:txBody>
+      </p:sp>
+    </p:spTree>
+    <p:extLst>
+      <p:ext uri="{BB962C8B-B14F-4D97-AF65-F5344CB8AC3E}">
+        <p14:creationId xmlns:p14="http://schemas.microsoft.com/office/powerpoint/2010/main" val="2968178167"/>
       </p:ext>
     </p:extLst>
   </p:cSld>

--- a/企画書/企画書３.pptx
+++ b/企画書/企画書３.pptx
@@ -3354,12 +3354,78 @@
         </p:nvSpPr>
         <p:spPr/>
         <p:txBody>
+          <a:bodyPr>
+            <a:normAutofit/>
+          </a:bodyPr>
+          <a:lstStyle/>
+          <a:p>
+            <a:r>
+              <a:rPr kumimoji="1" lang="ja-JP" altLang="en-US" sz="6000" b="1" dirty="0" smtClean="0">
+                <a:effectLst>
+                  <a:outerShdw blurRad="38100" dist="38100" dir="2700000" algn="tl">
+                    <a:srgbClr val="000000">
+                      <a:alpha val="43137"/>
+                    </a:srgbClr>
+                  </a:outerShdw>
+                </a:effectLst>
+              </a:rPr>
+              <a:t>要素</a:t>
+            </a:r>
+            <a:endParaRPr kumimoji="1" lang="ja-JP" altLang="en-US" sz="6000" b="1" dirty="0">
+              <a:effectLst>
+                <a:outerShdw blurRad="38100" dist="38100" dir="2700000" algn="tl">
+                  <a:srgbClr val="000000">
+                    <a:alpha val="43137"/>
+                  </a:srgbClr>
+                </a:outerShdw>
+              </a:effectLst>
+            </a:endParaRPr>
+          </a:p>
+        </p:txBody>
+      </p:sp>
+      <p:sp>
+        <p:nvSpPr>
+          <p:cNvPr id="3" name="コンテンツ プレースホルダー 2"/>
+          <p:cNvSpPr>
+            <a:spLocks noGrp="1"/>
+          </p:cNvSpPr>
+          <p:nvPr>
+            <p:ph idx="1"/>
+          </p:nvPr>
+        </p:nvSpPr>
+        <p:spPr/>
+        <p:txBody>
           <a:bodyPr/>
           <a:lstStyle/>
           <a:p>
             <a:r>
               <a:rPr kumimoji="1" lang="ja-JP" altLang="en-US" dirty="0" smtClean="0"/>
-              <a:t>要素</a:t>
+              <a:t>指定された位置に</a:t>
+            </a:r>
+            <a:r>
+              <a:rPr lang="ja-JP" altLang="en-US" dirty="0" smtClean="0"/>
+              <a:t>一番近いプレイヤーの勝利</a:t>
+            </a:r>
+            <a:endParaRPr lang="en-US" altLang="ja-JP" dirty="0" smtClean="0"/>
+          </a:p>
+          <a:p>
+            <a:r>
+              <a:rPr kumimoji="1" lang="ja-JP" altLang="en-US" dirty="0"/>
+              <a:t>走って</a:t>
+            </a:r>
+            <a:r>
+              <a:rPr kumimoji="1" lang="ja-JP" altLang="en-US" dirty="0" smtClean="0"/>
+              <a:t>いるときに指定の位置に近くなったら急にここで止まれというモデルを出してプレイヤーを止まらせる</a:t>
+            </a:r>
+            <a:endParaRPr kumimoji="1" lang="en-US" altLang="ja-JP" dirty="0" smtClean="0"/>
+          </a:p>
+          <a:p>
+            <a:endParaRPr kumimoji="1" lang="en-US" altLang="ja-JP" dirty="0" smtClean="0"/>
+          </a:p>
+          <a:p>
+            <a:r>
+              <a:rPr lang="ja-JP" altLang="en-US" dirty="0" smtClean="0"/>
+              <a:t>止まれゾーンに入っていたらポイントを加算か、もしくはポイントを増やしてそのプレイヤーに付与</a:t>
             </a:r>
             <a:endParaRPr kumimoji="1" lang="ja-JP" altLang="en-US" dirty="0"/>
           </a:p>
@@ -3367,20 +3433,31 @@
       </p:sp>
       <p:sp>
         <p:nvSpPr>
-          <p:cNvPr id="3" name="コンテンツ プレースホルダー 2"/>
-          <p:cNvSpPr>
-            <a:spLocks noGrp="1"/>
-          </p:cNvSpPr>
-          <p:nvPr>
-            <p:ph idx="1"/>
-          </p:nvPr>
-        </p:nvSpPr>
-        <p:spPr/>
-        <p:txBody>
-          <a:bodyPr/>
-          <a:lstStyle/>
-          <a:p>
-            <a:endParaRPr kumimoji="1" lang="ja-JP" altLang="en-US" dirty="0"/>
+          <p:cNvPr id="4" name="テキスト ボックス 3"/>
+          <p:cNvSpPr txBox="1"/>
+          <p:nvPr/>
+        </p:nvSpPr>
+        <p:spPr>
+          <a:xfrm>
+            <a:off x="759986" y="3160859"/>
+            <a:ext cx="576445" cy="584775"/>
+          </a:xfrm>
+          <a:prstGeom prst="rect">
+            <a:avLst/>
+          </a:prstGeom>
+          <a:noFill/>
+        </p:spPr>
+        <p:txBody>
+          <a:bodyPr wrap="square" rtlCol="0">
+            <a:spAutoFit/>
+          </a:bodyPr>
+          <a:lstStyle/>
+          <a:p>
+            <a:r>
+              <a:rPr kumimoji="1" lang="ja-JP" altLang="en-US" sz="3200" b="1" dirty="0" smtClean="0"/>
+              <a:t>案</a:t>
+            </a:r>
+            <a:endParaRPr kumimoji="1" lang="ja-JP" altLang="en-US" sz="3200" b="1" dirty="0"/>
           </a:p>
         </p:txBody>
       </p:sp>
@@ -4341,11 +4418,7 @@
             </a:r>
             <a:r>
               <a:rPr lang="ja-JP" altLang="en-US" sz="2800" dirty="0" smtClean="0"/>
-              <a:t>～</a:t>
-            </a:r>
-            <a:r>
-              <a:rPr lang="ja-JP" altLang="en-US" sz="2800" dirty="0" smtClean="0"/>
-              <a:t>６個</a:t>
+              <a:t>～６個</a:t>
             </a:r>
             <a:endParaRPr kumimoji="1" lang="ja-JP" altLang="en-US" sz="2800" dirty="0"/>
           </a:p>
@@ -5538,6 +5611,248 @@
               <a:t>端</a:t>
             </a:r>
             <a:endParaRPr kumimoji="1" lang="ja-JP" altLang="en-US" sz="6000" b="1" dirty="0"/>
+          </a:p>
+        </p:txBody>
+      </p:sp>
+      <p:sp>
+        <p:nvSpPr>
+          <p:cNvPr id="2" name="二等辺三角形 1"/>
+          <p:cNvSpPr/>
+          <p:nvPr/>
+        </p:nvSpPr>
+        <p:spPr>
+          <a:xfrm>
+            <a:off x="6805246" y="2584939"/>
+            <a:ext cx="896816" cy="1459522"/>
+          </a:xfrm>
+          <a:prstGeom prst="triangle">
+            <a:avLst/>
+          </a:prstGeom>
+          <a:solidFill>
+            <a:srgbClr val="FF0000"/>
+          </a:solidFill>
+        </p:spPr>
+        <p:style>
+          <a:lnRef idx="2">
+            <a:schemeClr val="accent1">
+              <a:shade val="50000"/>
+            </a:schemeClr>
+          </a:lnRef>
+          <a:fillRef idx="1">
+            <a:schemeClr val="accent1"/>
+          </a:fillRef>
+          <a:effectRef idx="0">
+            <a:schemeClr val="accent1"/>
+          </a:effectRef>
+          <a:fontRef idx="minor">
+            <a:schemeClr val="lt1"/>
+          </a:fontRef>
+        </p:style>
+        <p:txBody>
+          <a:bodyPr rtlCol="0" anchor="ctr"/>
+          <a:lstStyle/>
+          <a:p>
+            <a:pPr algn="ctr"/>
+            <a:endParaRPr kumimoji="1" lang="ja-JP" altLang="en-US"/>
+          </a:p>
+        </p:txBody>
+      </p:sp>
+      <p:sp>
+        <p:nvSpPr>
+          <p:cNvPr id="3" name="正方形/長方形 2"/>
+          <p:cNvSpPr/>
+          <p:nvPr/>
+        </p:nvSpPr>
+        <p:spPr>
+          <a:xfrm>
+            <a:off x="6994281" y="3288322"/>
+            <a:ext cx="518746" cy="2971799"/>
+          </a:xfrm>
+          <a:prstGeom prst="rect">
+            <a:avLst/>
+          </a:prstGeom>
+          <a:solidFill>
+            <a:srgbClr val="FF0000"/>
+          </a:solidFill>
+        </p:spPr>
+        <p:style>
+          <a:lnRef idx="2">
+            <a:schemeClr val="accent1">
+              <a:shade val="50000"/>
+            </a:schemeClr>
+          </a:lnRef>
+          <a:fillRef idx="1">
+            <a:schemeClr val="accent1"/>
+          </a:fillRef>
+          <a:effectRef idx="0">
+            <a:schemeClr val="accent1"/>
+          </a:effectRef>
+          <a:fontRef idx="minor">
+            <a:schemeClr val="lt1"/>
+          </a:fontRef>
+        </p:style>
+        <p:txBody>
+          <a:bodyPr rtlCol="0" anchor="ctr"/>
+          <a:lstStyle/>
+          <a:p>
+            <a:pPr algn="ctr"/>
+            <a:endParaRPr kumimoji="1" lang="ja-JP" altLang="en-US" dirty="0"/>
+          </a:p>
+        </p:txBody>
+      </p:sp>
+      <p:sp>
+        <p:nvSpPr>
+          <p:cNvPr id="10" name="二等辺三角形 9"/>
+          <p:cNvSpPr/>
+          <p:nvPr/>
+        </p:nvSpPr>
+        <p:spPr>
+          <a:xfrm>
+            <a:off x="6805246" y="5313806"/>
+            <a:ext cx="896816" cy="1459522"/>
+          </a:xfrm>
+          <a:prstGeom prst="triangle">
+            <a:avLst/>
+          </a:prstGeom>
+          <a:solidFill>
+            <a:srgbClr val="FF0000"/>
+          </a:solidFill>
+        </p:spPr>
+        <p:style>
+          <a:lnRef idx="2">
+            <a:schemeClr val="accent1">
+              <a:shade val="50000"/>
+            </a:schemeClr>
+          </a:lnRef>
+          <a:fillRef idx="1">
+            <a:schemeClr val="accent1"/>
+          </a:fillRef>
+          <a:effectRef idx="0">
+            <a:schemeClr val="accent1"/>
+          </a:effectRef>
+          <a:fontRef idx="minor">
+            <a:schemeClr val="lt1"/>
+          </a:fontRef>
+        </p:style>
+        <p:txBody>
+          <a:bodyPr rtlCol="0" anchor="ctr"/>
+          <a:lstStyle/>
+          <a:p>
+            <a:pPr algn="ctr"/>
+            <a:endParaRPr kumimoji="1" lang="ja-JP" altLang="en-US"/>
+          </a:p>
+        </p:txBody>
+      </p:sp>
+      <p:sp>
+        <p:nvSpPr>
+          <p:cNvPr id="7" name="正方形/長方形 6"/>
+          <p:cNvSpPr/>
+          <p:nvPr/>
+        </p:nvSpPr>
+        <p:spPr>
+          <a:xfrm>
+            <a:off x="7046285" y="3691473"/>
+            <a:ext cx="475285" cy="2246769"/>
+          </a:xfrm>
+          <a:prstGeom prst="rect">
+            <a:avLst/>
+          </a:prstGeom>
+        </p:spPr>
+        <p:txBody>
+          <a:bodyPr wrap="square">
+            <a:spAutoFit/>
+          </a:bodyPr>
+          <a:lstStyle/>
+          <a:p>
+            <a:pPr algn="ctr"/>
+            <a:r>
+              <a:rPr lang="ja-JP" altLang="en-US" sz="2000" b="1" dirty="0">
+                <a:solidFill>
+                  <a:srgbClr val="FFFF00"/>
+                </a:solidFill>
+              </a:rPr>
+              <a:t>強制的に止まれ</a:t>
+            </a:r>
+            <a:endParaRPr lang="ja-JP" altLang="en-US" sz="2000" b="1" dirty="0">
+              <a:solidFill>
+                <a:srgbClr val="FFFF00"/>
+              </a:solidFill>
+            </a:endParaRPr>
+          </a:p>
+        </p:txBody>
+      </p:sp>
+      <p:sp>
+        <p:nvSpPr>
+          <p:cNvPr id="11" name="下矢印 10"/>
+          <p:cNvSpPr/>
+          <p:nvPr/>
+        </p:nvSpPr>
+        <p:spPr>
+          <a:xfrm rot="19890467">
+            <a:off x="6192431" y="2839916"/>
+            <a:ext cx="694592" cy="844060"/>
+          </a:xfrm>
+          <a:prstGeom prst="downArrow">
+            <a:avLst/>
+          </a:prstGeom>
+        </p:spPr>
+        <p:style>
+          <a:lnRef idx="2">
+            <a:schemeClr val="accent1">
+              <a:shade val="50000"/>
+            </a:schemeClr>
+          </a:lnRef>
+          <a:fillRef idx="1">
+            <a:schemeClr val="accent1"/>
+          </a:fillRef>
+          <a:effectRef idx="0">
+            <a:schemeClr val="accent1"/>
+          </a:effectRef>
+          <a:fontRef idx="minor">
+            <a:schemeClr val="lt1"/>
+          </a:fontRef>
+        </p:style>
+        <p:txBody>
+          <a:bodyPr rtlCol="0" anchor="ctr"/>
+          <a:lstStyle/>
+          <a:p>
+            <a:pPr algn="ctr"/>
+            <a:endParaRPr kumimoji="1" lang="ja-JP" altLang="en-US"/>
+          </a:p>
+        </p:txBody>
+      </p:sp>
+      <p:sp>
+        <p:nvSpPr>
+          <p:cNvPr id="12" name="テキスト ボックス 11"/>
+          <p:cNvSpPr txBox="1"/>
+          <p:nvPr/>
+        </p:nvSpPr>
+        <p:spPr>
+          <a:xfrm>
+            <a:off x="3727939" y="1991111"/>
+            <a:ext cx="3459773" cy="584775"/>
+          </a:xfrm>
+          <a:prstGeom prst="rect">
+            <a:avLst/>
+          </a:prstGeom>
+          <a:noFill/>
+          <a:ln w="57150">
+            <a:solidFill>
+              <a:schemeClr val="tx1"/>
+            </a:solidFill>
+          </a:ln>
+        </p:spPr>
+        <p:txBody>
+          <a:bodyPr wrap="square" rtlCol="0">
+            <a:spAutoFit/>
+          </a:bodyPr>
+          <a:lstStyle/>
+          <a:p>
+            <a:r>
+              <a:rPr kumimoji="1" lang="ja-JP" altLang="en-US" sz="3200" b="1" dirty="0" smtClean="0"/>
+              <a:t>モデルを作る場合</a:t>
+            </a:r>
+            <a:endParaRPr kumimoji="1" lang="ja-JP" altLang="en-US" sz="3200" b="1" dirty="0"/>
           </a:p>
         </p:txBody>
       </p:sp>

--- a/企画書/企画書３.pptx
+++ b/企画書/企画書３.pptx
@@ -5773,11 +5773,6 @@
               </a:rPr>
               <a:t>強制的に止まれ</a:t>
             </a:r>
-            <a:endParaRPr lang="ja-JP" altLang="en-US" sz="2000" b="1" dirty="0">
-              <a:solidFill>
-                <a:srgbClr val="FFFF00"/>
-              </a:solidFill>
-            </a:endParaRPr>
           </a:p>
         </p:txBody>
       </p:sp>

--- a/企画書/企画書３.pptx
+++ b/企画書/企画書３.pptx
@@ -250,7 +250,7 @@
           <a:p>
             <a:fld id="{70EFC1E5-8896-424F-9D46-DCBC5AABCED5}" type="datetimeFigureOut">
               <a:rPr kumimoji="1" lang="ja-JP" altLang="en-US" smtClean="0"/>
-              <a:t>2022/12/9</a:t>
+              <a:t>2022/12/12</a:t>
             </a:fld>
             <a:endParaRPr kumimoji="1" lang="ja-JP" altLang="en-US"/>
           </a:p>
@@ -452,7 +452,7 @@
           <a:p>
             <a:fld id="{70EFC1E5-8896-424F-9D46-DCBC5AABCED5}" type="datetimeFigureOut">
               <a:rPr kumimoji="1" lang="ja-JP" altLang="en-US" smtClean="0"/>
-              <a:t>2022/12/9</a:t>
+              <a:t>2022/12/12</a:t>
             </a:fld>
             <a:endParaRPr kumimoji="1" lang="ja-JP" altLang="en-US"/>
           </a:p>
@@ -664,7 +664,7 @@
           <a:p>
             <a:fld id="{70EFC1E5-8896-424F-9D46-DCBC5AABCED5}" type="datetimeFigureOut">
               <a:rPr kumimoji="1" lang="ja-JP" altLang="en-US" smtClean="0"/>
-              <a:t>2022/12/9</a:t>
+              <a:t>2022/12/12</a:t>
             </a:fld>
             <a:endParaRPr kumimoji="1" lang="ja-JP" altLang="en-US"/>
           </a:p>
@@ -866,7 +866,7 @@
           <a:p>
             <a:fld id="{70EFC1E5-8896-424F-9D46-DCBC5AABCED5}" type="datetimeFigureOut">
               <a:rPr kumimoji="1" lang="ja-JP" altLang="en-US" smtClean="0"/>
-              <a:t>2022/12/9</a:t>
+              <a:t>2022/12/12</a:t>
             </a:fld>
             <a:endParaRPr kumimoji="1" lang="ja-JP" altLang="en-US"/>
           </a:p>
@@ -1112,7 +1112,7 @@
           <a:p>
             <a:fld id="{70EFC1E5-8896-424F-9D46-DCBC5AABCED5}" type="datetimeFigureOut">
               <a:rPr kumimoji="1" lang="ja-JP" altLang="en-US" smtClean="0"/>
-              <a:t>2022/12/9</a:t>
+              <a:t>2022/12/12</a:t>
             </a:fld>
             <a:endParaRPr kumimoji="1" lang="ja-JP" altLang="en-US"/>
           </a:p>
@@ -1408,7 +1408,7 @@
           <a:p>
             <a:fld id="{70EFC1E5-8896-424F-9D46-DCBC5AABCED5}" type="datetimeFigureOut">
               <a:rPr kumimoji="1" lang="ja-JP" altLang="en-US" smtClean="0"/>
-              <a:t>2022/12/9</a:t>
+              <a:t>2022/12/12</a:t>
             </a:fld>
             <a:endParaRPr kumimoji="1" lang="ja-JP" altLang="en-US"/>
           </a:p>
@@ -1839,7 +1839,7 @@
           <a:p>
             <a:fld id="{70EFC1E5-8896-424F-9D46-DCBC5AABCED5}" type="datetimeFigureOut">
               <a:rPr kumimoji="1" lang="ja-JP" altLang="en-US" smtClean="0"/>
-              <a:t>2022/12/9</a:t>
+              <a:t>2022/12/12</a:t>
             </a:fld>
             <a:endParaRPr kumimoji="1" lang="ja-JP" altLang="en-US"/>
           </a:p>
@@ -1957,7 +1957,7 @@
           <a:p>
             <a:fld id="{70EFC1E5-8896-424F-9D46-DCBC5AABCED5}" type="datetimeFigureOut">
               <a:rPr kumimoji="1" lang="ja-JP" altLang="en-US" smtClean="0"/>
-              <a:t>2022/12/9</a:t>
+              <a:t>2022/12/12</a:t>
             </a:fld>
             <a:endParaRPr kumimoji="1" lang="ja-JP" altLang="en-US"/>
           </a:p>
@@ -2052,7 +2052,7 @@
           <a:p>
             <a:fld id="{70EFC1E5-8896-424F-9D46-DCBC5AABCED5}" type="datetimeFigureOut">
               <a:rPr kumimoji="1" lang="ja-JP" altLang="en-US" smtClean="0"/>
-              <a:t>2022/12/9</a:t>
+              <a:t>2022/12/12</a:t>
             </a:fld>
             <a:endParaRPr kumimoji="1" lang="ja-JP" altLang="en-US"/>
           </a:p>
@@ -2361,7 +2361,7 @@
           <a:p>
             <a:fld id="{70EFC1E5-8896-424F-9D46-DCBC5AABCED5}" type="datetimeFigureOut">
               <a:rPr kumimoji="1" lang="ja-JP" altLang="en-US" smtClean="0"/>
-              <a:t>2022/12/9</a:t>
+              <a:t>2022/12/12</a:t>
             </a:fld>
             <a:endParaRPr kumimoji="1" lang="ja-JP" altLang="en-US"/>
           </a:p>
@@ -2614,7 +2614,7 @@
           <a:p>
             <a:fld id="{70EFC1E5-8896-424F-9D46-DCBC5AABCED5}" type="datetimeFigureOut">
               <a:rPr kumimoji="1" lang="ja-JP" altLang="en-US" smtClean="0"/>
-              <a:t>2022/12/9</a:t>
+              <a:t>2022/12/12</a:t>
             </a:fld>
             <a:endParaRPr kumimoji="1" lang="ja-JP" altLang="en-US"/>
           </a:p>
@@ -2859,7 +2859,7 @@
           <a:p>
             <a:fld id="{70EFC1E5-8896-424F-9D46-DCBC5AABCED5}" type="datetimeFigureOut">
               <a:rPr kumimoji="1" lang="ja-JP" altLang="en-US" smtClean="0"/>
-              <a:t>2022/12/9</a:t>
+              <a:t>2022/12/12</a:t>
             </a:fld>
             <a:endParaRPr kumimoji="1" lang="ja-JP" altLang="en-US"/>
           </a:p>

--- a/企画書/企画書３.pptx
+++ b/企画書/企画書３.pptx
@@ -10,9 +10,8 @@
     <p:sldId id="257" r:id="rId4"/>
     <p:sldId id="258" r:id="rId5"/>
     <p:sldId id="259" r:id="rId6"/>
-    <p:sldId id="260" r:id="rId7"/>
-    <p:sldId id="261" r:id="rId8"/>
-    <p:sldId id="262" r:id="rId9"/>
+    <p:sldId id="261" r:id="rId7"/>
+    <p:sldId id="262" r:id="rId8"/>
   </p:sldIdLst>
   <p:sldSz cx="12192000" cy="6858000"/>
   <p:notesSz cx="6858000" cy="9144000"/>
@@ -4897,7 +4896,7 @@
         <p:spPr>
           <a:xfrm>
             <a:off x="0" y="4141176"/>
-            <a:ext cx="12192000" cy="2716824"/>
+            <a:ext cx="7816362" cy="2716824"/>
           </a:xfrm>
           <a:prstGeom prst="rect">
             <a:avLst/>
@@ -4937,7 +4936,7 @@
         <p:spPr>
           <a:xfrm>
             <a:off x="0" y="4343400"/>
-            <a:ext cx="12192000" cy="307731"/>
+            <a:ext cx="7816362" cy="307731"/>
           </a:xfrm>
           <a:prstGeom prst="rect">
             <a:avLst/>
@@ -4975,7 +4974,7 @@
         <p:spPr>
           <a:xfrm>
             <a:off x="0" y="6409592"/>
-            <a:ext cx="12192000" cy="298938"/>
+            <a:ext cx="7816362" cy="298938"/>
           </a:xfrm>
           <a:prstGeom prst="rect">
             <a:avLst/>
@@ -5006,20 +5005,20 @@
       </p:sp>
       <p:sp>
         <p:nvSpPr>
-          <p:cNvPr id="8" name="二等辺三角形 7"/>
+          <p:cNvPr id="8" name="正方形/長方形 7"/>
           <p:cNvSpPr/>
           <p:nvPr/>
         </p:nvSpPr>
         <p:spPr>
-          <a:xfrm rot="10800000">
-            <a:off x="8730759" y="3044048"/>
-            <a:ext cx="949573" cy="996016"/>
-          </a:xfrm>
-          <a:prstGeom prst="triangle">
+          <a:xfrm>
+            <a:off x="7816362" y="4141176"/>
+            <a:ext cx="4375638" cy="2716824"/>
+          </a:xfrm>
+          <a:prstGeom prst="rect">
             <a:avLst/>
           </a:prstGeom>
           <a:solidFill>
-            <a:srgbClr val="FF0000"/>
+            <a:schemeClr val="tx1"/>
           </a:solidFill>
         </p:spPr>
         <p:style>
@@ -5039,25 +5038,15 @@
           </a:fontRef>
         </p:style>
         <p:txBody>
-          <a:bodyPr rtlCol="0" anchor="ctr">
-            <a:scene3d>
-              <a:camera prst="orthographicFront"/>
-              <a:lightRig rig="threePt" dir="t"/>
-            </a:scene3d>
-            <a:sp3d extrusionH="57150">
-              <a:bevelT w="82550" h="38100" prst="coolSlant"/>
-            </a:sp3d>
-          </a:bodyPr>
+          <a:bodyPr rtlCol="0" anchor="ctr"/>
           <a:lstStyle/>
           <a:p>
             <a:pPr algn="ctr"/>
-            <a:endParaRPr kumimoji="1" lang="ja-JP" altLang="en-US">
-              <a:ln w="38100">
-                <a:solidFill>
-                  <a:schemeClr val="tx1"/>
-                </a:solidFill>
-              </a:ln>
-            </a:endParaRPr>
+            <a:r>
+              <a:rPr kumimoji="1" lang="en-US" altLang="ja-JP" sz="11500" b="1" dirty="0" smtClean="0"/>
+              <a:t>OUT</a:t>
+            </a:r>
+            <a:endParaRPr kumimoji="1" lang="ja-JP" altLang="en-US" sz="11500" b="1" dirty="0"/>
           </a:p>
         </p:txBody>
       </p:sp>
@@ -5069,18 +5058,13 @@
         </p:nvSpPr>
         <p:spPr>
           <a:xfrm>
-            <a:off x="8342802" y="1316594"/>
-            <a:ext cx="3658699" cy="830997"/>
+            <a:off x="398208" y="383458"/>
+            <a:ext cx="1047136" cy="1015663"/>
           </a:xfrm>
           <a:prstGeom prst="rect">
             <a:avLst/>
           </a:prstGeom>
           <a:noFill/>
-          <a:ln w="38100">
-            <a:solidFill>
-              <a:schemeClr val="tx1"/>
-            </a:solidFill>
-          </a:ln>
         </p:spPr>
         <p:txBody>
           <a:bodyPr wrap="square" rtlCol="0">
@@ -5089,69 +5073,30 @@
           <a:lstStyle/>
           <a:p>
             <a:r>
-              <a:rPr kumimoji="1" lang="ja-JP" altLang="en-US" sz="2400" b="1" dirty="0" smtClean="0">
-                <a:effectLst>
-                  <a:outerShdw blurRad="38100" dist="38100" dir="2700000" algn="tl">
-                    <a:srgbClr val="000000">
-                      <a:alpha val="43137"/>
-                    </a:srgbClr>
-                  </a:outerShdw>
-                </a:effectLst>
-              </a:rPr>
-              <a:t>三角コーンみたいな印か</a:t>
-            </a:r>
-            <a:endParaRPr kumimoji="1" lang="en-US" altLang="ja-JP" sz="2400" b="1" dirty="0" smtClean="0">
-              <a:effectLst>
-                <a:outerShdw blurRad="38100" dist="38100" dir="2700000" algn="tl">
-                  <a:srgbClr val="000000">
-                    <a:alpha val="43137"/>
-                  </a:srgbClr>
-                </a:outerShdw>
-              </a:effectLst>
-            </a:endParaRPr>
-          </a:p>
-          <a:p>
-            <a:r>
-              <a:rPr kumimoji="1" lang="ja-JP" altLang="en-US" sz="2400" b="1" dirty="0" smtClean="0">
-                <a:effectLst>
-                  <a:outerShdw blurRad="38100" dist="38100" dir="2700000" algn="tl">
-                    <a:srgbClr val="000000">
-                      <a:alpha val="43137"/>
-                    </a:srgbClr>
-                  </a:outerShdw>
-                </a:effectLst>
-              </a:rPr>
-              <a:t>止まれの標識みたいの</a:t>
-            </a:r>
-            <a:endParaRPr kumimoji="1" lang="ja-JP" altLang="en-US" sz="2400" b="1" dirty="0">
-              <a:effectLst>
-                <a:outerShdw blurRad="38100" dist="38100" dir="2700000" algn="tl">
-                  <a:srgbClr val="000000">
-                    <a:alpha val="43137"/>
-                  </a:srgbClr>
-                </a:outerShdw>
-              </a:effectLst>
-            </a:endParaRPr>
-          </a:p>
-        </p:txBody>
-      </p:sp>
-      <p:sp>
-        <p:nvSpPr>
-          <p:cNvPr id="10" name="下矢印 9"/>
+              <a:rPr kumimoji="1" lang="ja-JP" altLang="en-US" sz="6000" b="1" dirty="0" smtClean="0"/>
+              <a:t>端</a:t>
+            </a:r>
+            <a:endParaRPr kumimoji="1" lang="ja-JP" altLang="en-US" sz="6000" b="1" dirty="0"/>
+          </a:p>
+        </p:txBody>
+      </p:sp>
+      <p:sp>
+        <p:nvSpPr>
+          <p:cNvPr id="2" name="二等辺三角形 1"/>
           <p:cNvSpPr/>
           <p:nvPr/>
         </p:nvSpPr>
         <p:spPr>
-          <a:xfrm rot="1961452">
-            <a:off x="9640765" y="2074567"/>
-            <a:ext cx="553915" cy="1037256"/>
-          </a:xfrm>
-          <a:prstGeom prst="downArrow">
-            <a:avLst>
-              <a:gd name="adj1" fmla="val 50000"/>
-              <a:gd name="adj2" fmla="val 110134"/>
-            </a:avLst>
+          <a:xfrm>
+            <a:off x="6805246" y="2584939"/>
+            <a:ext cx="896816" cy="1459522"/>
+          </a:xfrm>
+          <a:prstGeom prst="triangle">
+            <a:avLst/>
           </a:prstGeom>
+          <a:solidFill>
+            <a:srgbClr val="FF0000"/>
+          </a:solidFill>
         </p:spPr>
         <p:style>
           <a:lnRef idx="2">
@@ -5180,14 +5125,14 @@
       </p:sp>
       <p:sp>
         <p:nvSpPr>
-          <p:cNvPr id="11" name="正方形/長方形 10"/>
+          <p:cNvPr id="3" name="正方形/長方形 2"/>
           <p:cNvSpPr/>
           <p:nvPr/>
         </p:nvSpPr>
         <p:spPr>
           <a:xfrm>
-            <a:off x="8612063" y="4108754"/>
-            <a:ext cx="1186963" cy="2749245"/>
+            <a:off x="6994281" y="3288322"/>
+            <a:ext cx="518746" cy="2971799"/>
           </a:xfrm>
           <a:prstGeom prst="rect">
             <a:avLst/>
@@ -5217,123 +5162,27 @@
           <a:lstStyle/>
           <a:p>
             <a:pPr algn="ctr"/>
-            <a:r>
-              <a:rPr kumimoji="1" lang="ja-JP" altLang="en-US" sz="4800" b="1" dirty="0" smtClean="0">
-                <a:solidFill>
-                  <a:srgbClr val="FFFF00"/>
-                </a:solidFill>
-              </a:rPr>
-              <a:t>止</a:t>
-            </a:r>
-            <a:endParaRPr kumimoji="1" lang="en-US" altLang="ja-JP" sz="4800" b="1" dirty="0" smtClean="0">
-              <a:solidFill>
-                <a:srgbClr val="FFFF00"/>
-              </a:solidFill>
-            </a:endParaRPr>
-          </a:p>
-          <a:p>
-            <a:pPr algn="ctr"/>
-            <a:r>
-              <a:rPr kumimoji="1" lang="ja-JP" altLang="en-US" sz="4800" b="1" dirty="0" smtClean="0">
-                <a:solidFill>
-                  <a:srgbClr val="FFFF00"/>
-                </a:solidFill>
-              </a:rPr>
-              <a:t>ま</a:t>
-            </a:r>
-            <a:endParaRPr kumimoji="1" lang="en-US" altLang="ja-JP" sz="4800" b="1" dirty="0" smtClean="0">
-              <a:solidFill>
-                <a:srgbClr val="FFFF00"/>
-              </a:solidFill>
-            </a:endParaRPr>
-          </a:p>
-          <a:p>
-            <a:pPr algn="ctr"/>
-            <a:r>
-              <a:rPr kumimoji="1" lang="ja-JP" altLang="en-US" sz="4800" b="1" dirty="0" smtClean="0">
-                <a:solidFill>
-                  <a:srgbClr val="FFFF00"/>
-                </a:solidFill>
-              </a:rPr>
-              <a:t>れ</a:t>
-            </a:r>
-            <a:endParaRPr kumimoji="1" lang="ja-JP" altLang="en-US" sz="4800" b="1" dirty="0">
-              <a:solidFill>
-                <a:srgbClr val="FFFF00"/>
-              </a:solidFill>
-            </a:endParaRPr>
-          </a:p>
-        </p:txBody>
-      </p:sp>
-      <p:sp>
-        <p:nvSpPr>
-          <p:cNvPr id="12" name="テキスト ボックス 11"/>
-          <p:cNvSpPr txBox="1"/>
+            <a:endParaRPr kumimoji="1" lang="ja-JP" altLang="en-US" dirty="0"/>
+          </a:p>
+        </p:txBody>
+      </p:sp>
+      <p:sp>
+        <p:nvSpPr>
+          <p:cNvPr id="10" name="二等辺三角形 9"/>
+          <p:cNvSpPr/>
           <p:nvPr/>
         </p:nvSpPr>
         <p:spPr>
           <a:xfrm>
-            <a:off x="6184077" y="3151777"/>
-            <a:ext cx="1478416" cy="830997"/>
-          </a:xfrm>
-          <a:prstGeom prst="rect">
+            <a:off x="6805246" y="5313806"/>
+            <a:ext cx="896816" cy="1459522"/>
+          </a:xfrm>
+          <a:prstGeom prst="triangle">
             <a:avLst/>
           </a:prstGeom>
-          <a:noFill/>
-          <a:ln w="38100">
-            <a:solidFill>
-              <a:schemeClr val="tx1"/>
-            </a:solidFill>
-          </a:ln>
-        </p:spPr>
-        <p:txBody>
-          <a:bodyPr wrap="square" rtlCol="0">
-            <a:spAutoFit/>
-          </a:bodyPr>
-          <a:lstStyle/>
-          <a:p>
-            <a:pPr algn="ctr"/>
-            <a:r>
-              <a:rPr kumimoji="1" lang="ja-JP" altLang="en-US" sz="2400" b="1" dirty="0" smtClean="0">
-                <a:effectLst>
-                  <a:outerShdw blurRad="38100" dist="38100" dir="2700000" algn="tl">
-                    <a:srgbClr val="000000">
-                      <a:alpha val="43137"/>
-                    </a:srgbClr>
-                  </a:outerShdw>
-                </a:effectLst>
-              </a:rPr>
-              <a:t>止まれのゾーン</a:t>
-            </a:r>
-            <a:endParaRPr kumimoji="1" lang="ja-JP" altLang="en-US" sz="2400" b="1" dirty="0">
-              <a:effectLst>
-                <a:outerShdw blurRad="38100" dist="38100" dir="2700000" algn="tl">
-                  <a:srgbClr val="000000">
-                    <a:alpha val="43137"/>
-                  </a:srgbClr>
-                </a:outerShdw>
-              </a:effectLst>
-            </a:endParaRPr>
-          </a:p>
-        </p:txBody>
-      </p:sp>
-      <p:sp>
-        <p:nvSpPr>
-          <p:cNvPr id="13" name="下矢印 12"/>
-          <p:cNvSpPr/>
-          <p:nvPr/>
-        </p:nvSpPr>
-        <p:spPr>
-          <a:xfrm rot="18083218">
-            <a:off x="7746677" y="3570328"/>
-            <a:ext cx="553915" cy="1318733"/>
-          </a:xfrm>
-          <a:prstGeom prst="downArrow">
-            <a:avLst>
-              <a:gd name="adj1" fmla="val 50000"/>
-              <a:gd name="adj2" fmla="val 110134"/>
-            </a:avLst>
-          </a:prstGeom>
+          <a:solidFill>
+            <a:srgbClr val="FF0000"/>
+          </a:solidFill>
         </p:spPr>
         <p:style>
           <a:lnRef idx="2">
@@ -5362,198 +5211,51 @@
       </p:sp>
       <p:sp>
         <p:nvSpPr>
-          <p:cNvPr id="14" name="テキスト ボックス 13"/>
-          <p:cNvSpPr txBox="1"/>
+          <p:cNvPr id="7" name="正方形/長方形 6"/>
+          <p:cNvSpPr/>
           <p:nvPr/>
         </p:nvSpPr>
         <p:spPr>
           <a:xfrm>
-            <a:off x="398208" y="383458"/>
-            <a:ext cx="4380269" cy="923330"/>
+            <a:off x="7046285" y="3691473"/>
+            <a:ext cx="475285" cy="2246769"/>
           </a:xfrm>
           <a:prstGeom prst="rect">
             <a:avLst/>
           </a:prstGeom>
-          <a:noFill/>
-        </p:spPr>
-        <p:txBody>
-          <a:bodyPr wrap="square" rtlCol="0">
+        </p:spPr>
+        <p:txBody>
+          <a:bodyPr wrap="square">
             <a:spAutoFit/>
           </a:bodyPr>
           <a:lstStyle/>
           <a:p>
             <a:pPr algn="ctr"/>
             <a:r>
-              <a:rPr kumimoji="1" lang="ja-JP" altLang="en-US" sz="5400" b="1" dirty="0" smtClean="0"/>
-              <a:t>止まるところ</a:t>
-            </a:r>
-            <a:endParaRPr kumimoji="1" lang="ja-JP" altLang="en-US" sz="5400" b="1" dirty="0"/>
-          </a:p>
-        </p:txBody>
-      </p:sp>
-    </p:spTree>
-    <p:extLst>
-      <p:ext uri="{BB962C8B-B14F-4D97-AF65-F5344CB8AC3E}">
-        <p14:creationId xmlns:p14="http://schemas.microsoft.com/office/powerpoint/2010/main" val="2423447026"/>
-      </p:ext>
-    </p:extLst>
-  </p:cSld>
-  <p:clrMapOvr>
-    <a:masterClrMapping/>
-  </p:clrMapOvr>
-</p:sld>
-</file>
-
-<file path=ppt/slides/slide7.xml><?xml version="1.0" encoding="utf-8"?>
-<p:sld xmlns:a="http://schemas.openxmlformats.org/drawingml/2006/main" xmlns:r="http://schemas.openxmlformats.org/officeDocument/2006/relationships" xmlns:p="http://schemas.openxmlformats.org/presentationml/2006/main">
-  <p:cSld>
-    <p:spTree>
-      <p:nvGrpSpPr>
-        <p:cNvPr id="1" name=""/>
-        <p:cNvGrpSpPr/>
-        <p:nvPr/>
-      </p:nvGrpSpPr>
-      <p:grpSpPr>
-        <a:xfrm>
-          <a:off x="0" y="0"/>
-          <a:ext cx="0" cy="0"/>
-          <a:chOff x="0" y="0"/>
-          <a:chExt cx="0" cy="0"/>
-        </a:xfrm>
-      </p:grpSpPr>
-      <p:sp>
-        <p:nvSpPr>
-          <p:cNvPr id="4" name="正方形/長方形 3"/>
+              <a:rPr lang="ja-JP" altLang="en-US" sz="2000" b="1" dirty="0">
+                <a:solidFill>
+                  <a:srgbClr val="FFFF00"/>
+                </a:solidFill>
+              </a:rPr>
+              <a:t>強制的に止まれ</a:t>
+            </a:r>
+          </a:p>
+        </p:txBody>
+      </p:sp>
+      <p:sp>
+        <p:nvSpPr>
+          <p:cNvPr id="11" name="下矢印 10"/>
           <p:cNvSpPr/>
           <p:nvPr/>
         </p:nvSpPr>
         <p:spPr>
-          <a:xfrm>
-            <a:off x="0" y="4141176"/>
-            <a:ext cx="7816362" cy="2716824"/>
-          </a:xfrm>
-          <a:prstGeom prst="rect">
+          <a:xfrm rot="19890467">
+            <a:off x="6192431" y="2839916"/>
+            <a:ext cx="694592" cy="844060"/>
+          </a:xfrm>
+          <a:prstGeom prst="downArrow">
             <a:avLst/>
           </a:prstGeom>
-        </p:spPr>
-        <p:style>
-          <a:lnRef idx="2">
-            <a:schemeClr val="accent3">
-              <a:shade val="50000"/>
-            </a:schemeClr>
-          </a:lnRef>
-          <a:fillRef idx="1">
-            <a:schemeClr val="accent3"/>
-          </a:fillRef>
-          <a:effectRef idx="0">
-            <a:schemeClr val="accent3"/>
-          </a:effectRef>
-          <a:fontRef idx="minor">
-            <a:schemeClr val="lt1"/>
-          </a:fontRef>
-        </p:style>
-        <p:txBody>
-          <a:bodyPr rtlCol="0" anchor="ctr"/>
-          <a:lstStyle/>
-          <a:p>
-            <a:pPr algn="ctr"/>
-            <a:endParaRPr kumimoji="1" lang="ja-JP" altLang="en-US"/>
-          </a:p>
-        </p:txBody>
-      </p:sp>
-      <p:sp>
-        <p:nvSpPr>
-          <p:cNvPr id="5" name="正方形/長方形 4"/>
-          <p:cNvSpPr/>
-          <p:nvPr/>
-        </p:nvSpPr>
-        <p:spPr>
-          <a:xfrm>
-            <a:off x="0" y="4343400"/>
-            <a:ext cx="7816362" cy="307731"/>
-          </a:xfrm>
-          <a:prstGeom prst="rect">
-            <a:avLst/>
-          </a:prstGeom>
-        </p:spPr>
-        <p:style>
-          <a:lnRef idx="2">
-            <a:schemeClr val="accent3"/>
-          </a:lnRef>
-          <a:fillRef idx="1">
-            <a:schemeClr val="lt1"/>
-          </a:fillRef>
-          <a:effectRef idx="0">
-            <a:schemeClr val="accent3"/>
-          </a:effectRef>
-          <a:fontRef idx="minor">
-            <a:schemeClr val="dk1"/>
-          </a:fontRef>
-        </p:style>
-        <p:txBody>
-          <a:bodyPr rtlCol="0" anchor="ctr"/>
-          <a:lstStyle/>
-          <a:p>
-            <a:pPr algn="ctr"/>
-            <a:endParaRPr kumimoji="1" lang="ja-JP" altLang="en-US"/>
-          </a:p>
-        </p:txBody>
-      </p:sp>
-      <p:sp>
-        <p:nvSpPr>
-          <p:cNvPr id="6" name="正方形/長方形 5"/>
-          <p:cNvSpPr/>
-          <p:nvPr/>
-        </p:nvSpPr>
-        <p:spPr>
-          <a:xfrm>
-            <a:off x="0" y="6409592"/>
-            <a:ext cx="7816362" cy="298938"/>
-          </a:xfrm>
-          <a:prstGeom prst="rect">
-            <a:avLst/>
-          </a:prstGeom>
-        </p:spPr>
-        <p:style>
-          <a:lnRef idx="2">
-            <a:schemeClr val="dk1"/>
-          </a:lnRef>
-          <a:fillRef idx="1">
-            <a:schemeClr val="lt1"/>
-          </a:fillRef>
-          <a:effectRef idx="0">
-            <a:schemeClr val="dk1"/>
-          </a:effectRef>
-          <a:fontRef idx="minor">
-            <a:schemeClr val="dk1"/>
-          </a:fontRef>
-        </p:style>
-        <p:txBody>
-          <a:bodyPr rtlCol="0" anchor="ctr"/>
-          <a:lstStyle/>
-          <a:p>
-            <a:pPr algn="ctr"/>
-            <a:endParaRPr kumimoji="1" lang="ja-JP" altLang="en-US"/>
-          </a:p>
-        </p:txBody>
-      </p:sp>
-      <p:sp>
-        <p:nvSpPr>
-          <p:cNvPr id="8" name="正方形/長方形 7"/>
-          <p:cNvSpPr/>
-          <p:nvPr/>
-        </p:nvSpPr>
-        <p:spPr>
-          <a:xfrm>
-            <a:off x="7816362" y="4141176"/>
-            <a:ext cx="4375638" cy="2716824"/>
-          </a:xfrm>
-          <a:prstGeom prst="rect">
-            <a:avLst/>
-          </a:prstGeom>
-          <a:solidFill>
-            <a:schemeClr val="tx1"/>
-          </a:solidFill>
         </p:spPr>
         <p:style>
           <a:lnRef idx="2">
@@ -5576,242 +5278,6 @@
           <a:lstStyle/>
           <a:p>
             <a:pPr algn="ctr"/>
-            <a:r>
-              <a:rPr kumimoji="1" lang="en-US" altLang="ja-JP" sz="11500" b="1" dirty="0" smtClean="0"/>
-              <a:t>OUT</a:t>
-            </a:r>
-            <a:endParaRPr kumimoji="1" lang="ja-JP" altLang="en-US" sz="11500" b="1" dirty="0"/>
-          </a:p>
-        </p:txBody>
-      </p:sp>
-      <p:sp>
-        <p:nvSpPr>
-          <p:cNvPr id="9" name="テキスト ボックス 8"/>
-          <p:cNvSpPr txBox="1"/>
-          <p:nvPr/>
-        </p:nvSpPr>
-        <p:spPr>
-          <a:xfrm>
-            <a:off x="398208" y="383458"/>
-            <a:ext cx="1047136" cy="1015663"/>
-          </a:xfrm>
-          <a:prstGeom prst="rect">
-            <a:avLst/>
-          </a:prstGeom>
-          <a:noFill/>
-        </p:spPr>
-        <p:txBody>
-          <a:bodyPr wrap="square" rtlCol="0">
-            <a:spAutoFit/>
-          </a:bodyPr>
-          <a:lstStyle/>
-          <a:p>
-            <a:r>
-              <a:rPr kumimoji="1" lang="ja-JP" altLang="en-US" sz="6000" b="1" dirty="0" smtClean="0"/>
-              <a:t>端</a:t>
-            </a:r>
-            <a:endParaRPr kumimoji="1" lang="ja-JP" altLang="en-US" sz="6000" b="1" dirty="0"/>
-          </a:p>
-        </p:txBody>
-      </p:sp>
-      <p:sp>
-        <p:nvSpPr>
-          <p:cNvPr id="2" name="二等辺三角形 1"/>
-          <p:cNvSpPr/>
-          <p:nvPr/>
-        </p:nvSpPr>
-        <p:spPr>
-          <a:xfrm>
-            <a:off x="6805246" y="2584939"/>
-            <a:ext cx="896816" cy="1459522"/>
-          </a:xfrm>
-          <a:prstGeom prst="triangle">
-            <a:avLst/>
-          </a:prstGeom>
-          <a:solidFill>
-            <a:srgbClr val="FF0000"/>
-          </a:solidFill>
-        </p:spPr>
-        <p:style>
-          <a:lnRef idx="2">
-            <a:schemeClr val="accent1">
-              <a:shade val="50000"/>
-            </a:schemeClr>
-          </a:lnRef>
-          <a:fillRef idx="1">
-            <a:schemeClr val="accent1"/>
-          </a:fillRef>
-          <a:effectRef idx="0">
-            <a:schemeClr val="accent1"/>
-          </a:effectRef>
-          <a:fontRef idx="minor">
-            <a:schemeClr val="lt1"/>
-          </a:fontRef>
-        </p:style>
-        <p:txBody>
-          <a:bodyPr rtlCol="0" anchor="ctr"/>
-          <a:lstStyle/>
-          <a:p>
-            <a:pPr algn="ctr"/>
-            <a:endParaRPr kumimoji="1" lang="ja-JP" altLang="en-US"/>
-          </a:p>
-        </p:txBody>
-      </p:sp>
-      <p:sp>
-        <p:nvSpPr>
-          <p:cNvPr id="3" name="正方形/長方形 2"/>
-          <p:cNvSpPr/>
-          <p:nvPr/>
-        </p:nvSpPr>
-        <p:spPr>
-          <a:xfrm>
-            <a:off x="6994281" y="3288322"/>
-            <a:ext cx="518746" cy="2971799"/>
-          </a:xfrm>
-          <a:prstGeom prst="rect">
-            <a:avLst/>
-          </a:prstGeom>
-          <a:solidFill>
-            <a:srgbClr val="FF0000"/>
-          </a:solidFill>
-        </p:spPr>
-        <p:style>
-          <a:lnRef idx="2">
-            <a:schemeClr val="accent1">
-              <a:shade val="50000"/>
-            </a:schemeClr>
-          </a:lnRef>
-          <a:fillRef idx="1">
-            <a:schemeClr val="accent1"/>
-          </a:fillRef>
-          <a:effectRef idx="0">
-            <a:schemeClr val="accent1"/>
-          </a:effectRef>
-          <a:fontRef idx="minor">
-            <a:schemeClr val="lt1"/>
-          </a:fontRef>
-        </p:style>
-        <p:txBody>
-          <a:bodyPr rtlCol="0" anchor="ctr"/>
-          <a:lstStyle/>
-          <a:p>
-            <a:pPr algn="ctr"/>
-            <a:endParaRPr kumimoji="1" lang="ja-JP" altLang="en-US" dirty="0"/>
-          </a:p>
-        </p:txBody>
-      </p:sp>
-      <p:sp>
-        <p:nvSpPr>
-          <p:cNvPr id="10" name="二等辺三角形 9"/>
-          <p:cNvSpPr/>
-          <p:nvPr/>
-        </p:nvSpPr>
-        <p:spPr>
-          <a:xfrm>
-            <a:off x="6805246" y="5313806"/>
-            <a:ext cx="896816" cy="1459522"/>
-          </a:xfrm>
-          <a:prstGeom prst="triangle">
-            <a:avLst/>
-          </a:prstGeom>
-          <a:solidFill>
-            <a:srgbClr val="FF0000"/>
-          </a:solidFill>
-        </p:spPr>
-        <p:style>
-          <a:lnRef idx="2">
-            <a:schemeClr val="accent1">
-              <a:shade val="50000"/>
-            </a:schemeClr>
-          </a:lnRef>
-          <a:fillRef idx="1">
-            <a:schemeClr val="accent1"/>
-          </a:fillRef>
-          <a:effectRef idx="0">
-            <a:schemeClr val="accent1"/>
-          </a:effectRef>
-          <a:fontRef idx="minor">
-            <a:schemeClr val="lt1"/>
-          </a:fontRef>
-        </p:style>
-        <p:txBody>
-          <a:bodyPr rtlCol="0" anchor="ctr"/>
-          <a:lstStyle/>
-          <a:p>
-            <a:pPr algn="ctr"/>
-            <a:endParaRPr kumimoji="1" lang="ja-JP" altLang="en-US"/>
-          </a:p>
-        </p:txBody>
-      </p:sp>
-      <p:sp>
-        <p:nvSpPr>
-          <p:cNvPr id="7" name="正方形/長方形 6"/>
-          <p:cNvSpPr/>
-          <p:nvPr/>
-        </p:nvSpPr>
-        <p:spPr>
-          <a:xfrm>
-            <a:off x="7046285" y="3691473"/>
-            <a:ext cx="475285" cy="2246769"/>
-          </a:xfrm>
-          <a:prstGeom prst="rect">
-            <a:avLst/>
-          </a:prstGeom>
-        </p:spPr>
-        <p:txBody>
-          <a:bodyPr wrap="square">
-            <a:spAutoFit/>
-          </a:bodyPr>
-          <a:lstStyle/>
-          <a:p>
-            <a:pPr algn="ctr"/>
-            <a:r>
-              <a:rPr lang="ja-JP" altLang="en-US" sz="2000" b="1" dirty="0">
-                <a:solidFill>
-                  <a:srgbClr val="FFFF00"/>
-                </a:solidFill>
-              </a:rPr>
-              <a:t>強制的に止まれ</a:t>
-            </a:r>
-          </a:p>
-        </p:txBody>
-      </p:sp>
-      <p:sp>
-        <p:nvSpPr>
-          <p:cNvPr id="11" name="下矢印 10"/>
-          <p:cNvSpPr/>
-          <p:nvPr/>
-        </p:nvSpPr>
-        <p:spPr>
-          <a:xfrm rot="19890467">
-            <a:off x="6192431" y="2839916"/>
-            <a:ext cx="694592" cy="844060"/>
-          </a:xfrm>
-          <a:prstGeom prst="downArrow">
-            <a:avLst/>
-          </a:prstGeom>
-        </p:spPr>
-        <p:style>
-          <a:lnRef idx="2">
-            <a:schemeClr val="accent1">
-              <a:shade val="50000"/>
-            </a:schemeClr>
-          </a:lnRef>
-          <a:fillRef idx="1">
-            <a:schemeClr val="accent1"/>
-          </a:fillRef>
-          <a:effectRef idx="0">
-            <a:schemeClr val="accent1"/>
-          </a:effectRef>
-          <a:fontRef idx="minor">
-            <a:schemeClr val="lt1"/>
-          </a:fontRef>
-        </p:style>
-        <p:txBody>
-          <a:bodyPr rtlCol="0" anchor="ctr"/>
-          <a:lstStyle/>
-          <a:p>
-            <a:pPr algn="ctr"/>
             <a:endParaRPr kumimoji="1" lang="ja-JP" altLang="en-US"/>
           </a:p>
         </p:txBody>
@@ -5864,7 +5330,7 @@
 </p:sld>
 </file>
 
-<file path=ppt/slides/slide8.xml><?xml version="1.0" encoding="utf-8"?>
+<file path=ppt/slides/slide7.xml><?xml version="1.0" encoding="utf-8"?>
 <p:sld xmlns:a="http://schemas.openxmlformats.org/drawingml/2006/main" xmlns:r="http://schemas.openxmlformats.org/officeDocument/2006/relationships" xmlns:p="http://schemas.openxmlformats.org/presentationml/2006/main">
   <p:cSld>
     <p:spTree>

--- a/企画書/企画書３.pptx
+++ b/企画書/企画書３.pptx
@@ -249,7 +249,7 @@
           <a:p>
             <a:fld id="{70EFC1E5-8896-424F-9D46-DCBC5AABCED5}" type="datetimeFigureOut">
               <a:rPr kumimoji="1" lang="ja-JP" altLang="en-US" smtClean="0"/>
-              <a:t>2022/12/12</a:t>
+              <a:t>2022/12/16</a:t>
             </a:fld>
             <a:endParaRPr kumimoji="1" lang="ja-JP" altLang="en-US"/>
           </a:p>
@@ -451,7 +451,7 @@
           <a:p>
             <a:fld id="{70EFC1E5-8896-424F-9D46-DCBC5AABCED5}" type="datetimeFigureOut">
               <a:rPr kumimoji="1" lang="ja-JP" altLang="en-US" smtClean="0"/>
-              <a:t>2022/12/12</a:t>
+              <a:t>2022/12/16</a:t>
             </a:fld>
             <a:endParaRPr kumimoji="1" lang="ja-JP" altLang="en-US"/>
           </a:p>
@@ -663,7 +663,7 @@
           <a:p>
             <a:fld id="{70EFC1E5-8896-424F-9D46-DCBC5AABCED5}" type="datetimeFigureOut">
               <a:rPr kumimoji="1" lang="ja-JP" altLang="en-US" smtClean="0"/>
-              <a:t>2022/12/12</a:t>
+              <a:t>2022/12/16</a:t>
             </a:fld>
             <a:endParaRPr kumimoji="1" lang="ja-JP" altLang="en-US"/>
           </a:p>
@@ -865,7 +865,7 @@
           <a:p>
             <a:fld id="{70EFC1E5-8896-424F-9D46-DCBC5AABCED5}" type="datetimeFigureOut">
               <a:rPr kumimoji="1" lang="ja-JP" altLang="en-US" smtClean="0"/>
-              <a:t>2022/12/12</a:t>
+              <a:t>2022/12/16</a:t>
             </a:fld>
             <a:endParaRPr kumimoji="1" lang="ja-JP" altLang="en-US"/>
           </a:p>
@@ -1111,7 +1111,7 @@
           <a:p>
             <a:fld id="{70EFC1E5-8896-424F-9D46-DCBC5AABCED5}" type="datetimeFigureOut">
               <a:rPr kumimoji="1" lang="ja-JP" altLang="en-US" smtClean="0"/>
-              <a:t>2022/12/12</a:t>
+              <a:t>2022/12/16</a:t>
             </a:fld>
             <a:endParaRPr kumimoji="1" lang="ja-JP" altLang="en-US"/>
           </a:p>
@@ -1407,7 +1407,7 @@
           <a:p>
             <a:fld id="{70EFC1E5-8896-424F-9D46-DCBC5AABCED5}" type="datetimeFigureOut">
               <a:rPr kumimoji="1" lang="ja-JP" altLang="en-US" smtClean="0"/>
-              <a:t>2022/12/12</a:t>
+              <a:t>2022/12/16</a:t>
             </a:fld>
             <a:endParaRPr kumimoji="1" lang="ja-JP" altLang="en-US"/>
           </a:p>
@@ -1838,7 +1838,7 @@
           <a:p>
             <a:fld id="{70EFC1E5-8896-424F-9D46-DCBC5AABCED5}" type="datetimeFigureOut">
               <a:rPr kumimoji="1" lang="ja-JP" altLang="en-US" smtClean="0"/>
-              <a:t>2022/12/12</a:t>
+              <a:t>2022/12/16</a:t>
             </a:fld>
             <a:endParaRPr kumimoji="1" lang="ja-JP" altLang="en-US"/>
           </a:p>
@@ -1956,7 +1956,7 @@
           <a:p>
             <a:fld id="{70EFC1E5-8896-424F-9D46-DCBC5AABCED5}" type="datetimeFigureOut">
               <a:rPr kumimoji="1" lang="ja-JP" altLang="en-US" smtClean="0"/>
-              <a:t>2022/12/12</a:t>
+              <a:t>2022/12/16</a:t>
             </a:fld>
             <a:endParaRPr kumimoji="1" lang="ja-JP" altLang="en-US"/>
           </a:p>
@@ -2051,7 +2051,7 @@
           <a:p>
             <a:fld id="{70EFC1E5-8896-424F-9D46-DCBC5AABCED5}" type="datetimeFigureOut">
               <a:rPr kumimoji="1" lang="ja-JP" altLang="en-US" smtClean="0"/>
-              <a:t>2022/12/12</a:t>
+              <a:t>2022/12/16</a:t>
             </a:fld>
             <a:endParaRPr kumimoji="1" lang="ja-JP" altLang="en-US"/>
           </a:p>
@@ -2360,7 +2360,7 @@
           <a:p>
             <a:fld id="{70EFC1E5-8896-424F-9D46-DCBC5AABCED5}" type="datetimeFigureOut">
               <a:rPr kumimoji="1" lang="ja-JP" altLang="en-US" smtClean="0"/>
-              <a:t>2022/12/12</a:t>
+              <a:t>2022/12/16</a:t>
             </a:fld>
             <a:endParaRPr kumimoji="1" lang="ja-JP" altLang="en-US"/>
           </a:p>
@@ -2613,7 +2613,7 @@
           <a:p>
             <a:fld id="{70EFC1E5-8896-424F-9D46-DCBC5AABCED5}" type="datetimeFigureOut">
               <a:rPr kumimoji="1" lang="ja-JP" altLang="en-US" smtClean="0"/>
-              <a:t>2022/12/12</a:t>
+              <a:t>2022/12/16</a:t>
             </a:fld>
             <a:endParaRPr kumimoji="1" lang="ja-JP" altLang="en-US"/>
           </a:p>
@@ -2858,7 +2858,7 @@
           <a:p>
             <a:fld id="{70EFC1E5-8896-424F-9D46-DCBC5AABCED5}" type="datetimeFigureOut">
               <a:rPr kumimoji="1" lang="ja-JP" altLang="en-US" smtClean="0"/>
-              <a:t>2022/12/12</a:t>
+              <a:t>2022/12/16</a:t>
             </a:fld>
             <a:endParaRPr kumimoji="1" lang="ja-JP" altLang="en-US"/>
           </a:p>
@@ -3414,18 +3414,38 @@
             </a:r>
             <a:r>
               <a:rPr kumimoji="1" lang="ja-JP" altLang="en-US" dirty="0" smtClean="0"/>
-              <a:t>いるときに指定の位置に近くなったら急にここで止まれというモデルを出してプレイヤーを止まらせる</a:t>
+              <a:t>いるときに指定の位置に近くなったら急にここで止まれというモデルを出してプレイヤーを</a:t>
+            </a:r>
+            <a:r>
+              <a:rPr kumimoji="1" lang="ja-JP" altLang="en-US" dirty="0" smtClean="0"/>
+              <a:t>止まらせる</a:t>
             </a:r>
             <a:endParaRPr kumimoji="1" lang="en-US" altLang="ja-JP" dirty="0" smtClean="0"/>
           </a:p>
           <a:p>
+            <a:pPr marL="0" indent="0">
+              <a:buNone/>
+            </a:pPr>
             <a:endParaRPr kumimoji="1" lang="en-US" altLang="ja-JP" dirty="0" smtClean="0"/>
           </a:p>
           <a:p>
+            <a:pPr marL="0" indent="0">
+              <a:buNone/>
+            </a:pPr>
+            <a:endParaRPr kumimoji="1" lang="en-US" altLang="ja-JP" dirty="0" smtClean="0"/>
+          </a:p>
+          <a:p>
             <a:r>
               <a:rPr lang="ja-JP" altLang="en-US" dirty="0" smtClean="0"/>
-              <a:t>止まれゾーンに入っていたらポイントを加算か、もしくはポイントを増やしてそのプレイヤーに付与</a:t>
-            </a:r>
+              <a:t>止まれゾーンに入っていたらポイントを加算か、もしくはポイントを増やしてそのプレイヤーに</a:t>
+            </a:r>
+            <a:r>
+              <a:rPr lang="ja-JP" altLang="en-US" dirty="0" smtClean="0"/>
+              <a:t>付与</a:t>
+            </a:r>
+            <a:endParaRPr lang="en-US" altLang="ja-JP" dirty="0" smtClean="0"/>
+          </a:p>
+          <a:p>
             <a:endParaRPr kumimoji="1" lang="ja-JP" altLang="en-US" dirty="0"/>
           </a:p>
         </p:txBody>
@@ -3438,7 +3458,7 @@
         </p:nvSpPr>
         <p:spPr>
           <a:xfrm>
-            <a:off x="759986" y="3160859"/>
+            <a:off x="742401" y="3354290"/>
             <a:ext cx="576445" cy="584775"/>
           </a:xfrm>
           <a:prstGeom prst="rect">
@@ -3457,6 +3477,44 @@
               <a:t>案</a:t>
             </a:r>
             <a:endParaRPr kumimoji="1" lang="ja-JP" altLang="en-US" sz="3200" b="1" dirty="0"/>
+          </a:p>
+        </p:txBody>
+      </p:sp>
+      <p:sp>
+        <p:nvSpPr>
+          <p:cNvPr id="5" name="テキスト ボックス 4"/>
+          <p:cNvSpPr txBox="1"/>
+          <p:nvPr/>
+        </p:nvSpPr>
+        <p:spPr>
+          <a:xfrm>
+            <a:off x="1418492" y="3415844"/>
+            <a:ext cx="9355015" cy="461665"/>
+          </a:xfrm>
+          <a:prstGeom prst="rect">
+            <a:avLst/>
+          </a:prstGeom>
+          <a:noFill/>
+        </p:spPr>
+        <p:txBody>
+          <a:bodyPr wrap="square" rtlCol="0">
+            <a:spAutoFit/>
+          </a:bodyPr>
+          <a:lstStyle/>
+          <a:p>
+            <a:r>
+              <a:rPr lang="ja-JP" altLang="en-US" sz="2400" dirty="0" smtClean="0"/>
+              <a:t>～</a:t>
+            </a:r>
+            <a:r>
+              <a:rPr lang="en-US" altLang="ja-JP" sz="2400" dirty="0" smtClean="0"/>
+              <a:t>3</a:t>
+            </a:r>
+            <a:r>
+              <a:rPr lang="ja-JP" altLang="en-US" sz="2400" dirty="0" smtClean="0"/>
+              <a:t>回連続プレイする場合～</a:t>
+            </a:r>
+            <a:endParaRPr kumimoji="1" lang="ja-JP" altLang="en-US" sz="2400" dirty="0"/>
           </a:p>
         </p:txBody>
       </p:sp>
